--- a/DefectDashboard.pptx
+++ b/DefectDashboard.pptx
@@ -9,13 +9,13 @@
   </p:notesMasterIdLst>
   <p:sldIdLst>
     <p:sldId id="256" r:id="rId2"/>
-    <p:sldId id="262" r:id="rId3"/>
-    <p:sldId id="263" r:id="rId4"/>
-    <p:sldId id="261" r:id="rId5"/>
-    <p:sldId id="257" r:id="rId6"/>
-    <p:sldId id="260" r:id="rId7"/>
-    <p:sldId id="258" r:id="rId8"/>
-    <p:sldId id="259" r:id="rId9"/>
+    <p:sldId id="258" r:id="rId3"/>
+    <p:sldId id="259" r:id="rId4"/>
+    <p:sldId id="262" r:id="rId5"/>
+    <p:sldId id="261" r:id="rId6"/>
+    <p:sldId id="263" r:id="rId7"/>
+    <p:sldId id="257" r:id="rId8"/>
+    <p:sldId id="260" r:id="rId9"/>
   </p:sldIdLst>
   <p:sldSz cx="12192000" cy="6858000"/>
   <p:notesSz cx="6858000" cy="9144000"/>
@@ -4343,7 +4343,7 @@
           <a:p>
             <a:fld id="{6FC1C059-0F1D-4A6D-883A-7EBBC8258521}" type="datetimeFigureOut">
               <a:rPr lang="en-IN" smtClean="0"/>
-              <a:t>26-05-2023</a:t>
+              <a:t>29-05-2023</a:t>
             </a:fld>
             <a:endParaRPr lang="en-IN"/>
           </a:p>
@@ -4760,7 +4760,7 @@
           <a:p>
             <a:fld id="{D6746DE3-41F4-4DCF-A8A3-5DF0E39375D9}" type="datetimeFigureOut">
               <a:rPr lang="en-IN" smtClean="0"/>
-              <a:t>26-05-2023</a:t>
+              <a:t>29-05-2023</a:t>
             </a:fld>
             <a:endParaRPr lang="en-IN"/>
           </a:p>
@@ -4960,7 +4960,7 @@
           <a:p>
             <a:fld id="{D6746DE3-41F4-4DCF-A8A3-5DF0E39375D9}" type="datetimeFigureOut">
               <a:rPr lang="en-IN" smtClean="0"/>
-              <a:t>26-05-2023</a:t>
+              <a:t>29-05-2023</a:t>
             </a:fld>
             <a:endParaRPr lang="en-IN"/>
           </a:p>
@@ -5170,7 +5170,7 @@
           <a:p>
             <a:fld id="{D6746DE3-41F4-4DCF-A8A3-5DF0E39375D9}" type="datetimeFigureOut">
               <a:rPr lang="en-IN" smtClean="0"/>
-              <a:t>26-05-2023</a:t>
+              <a:t>29-05-2023</a:t>
             </a:fld>
             <a:endParaRPr lang="en-IN"/>
           </a:p>
@@ -5370,7 +5370,7 @@
           <a:p>
             <a:fld id="{D6746DE3-41F4-4DCF-A8A3-5DF0E39375D9}" type="datetimeFigureOut">
               <a:rPr lang="en-IN" smtClean="0"/>
-              <a:t>26-05-2023</a:t>
+              <a:t>29-05-2023</a:t>
             </a:fld>
             <a:endParaRPr lang="en-IN"/>
           </a:p>
@@ -5646,7 +5646,7 @@
           <a:p>
             <a:fld id="{D6746DE3-41F4-4DCF-A8A3-5DF0E39375D9}" type="datetimeFigureOut">
               <a:rPr lang="en-IN" smtClean="0"/>
-              <a:t>26-05-2023</a:t>
+              <a:t>29-05-2023</a:t>
             </a:fld>
             <a:endParaRPr lang="en-IN"/>
           </a:p>
@@ -5914,7 +5914,7 @@
           <a:p>
             <a:fld id="{D6746DE3-41F4-4DCF-A8A3-5DF0E39375D9}" type="datetimeFigureOut">
               <a:rPr lang="en-IN" smtClean="0"/>
-              <a:t>26-05-2023</a:t>
+              <a:t>29-05-2023</a:t>
             </a:fld>
             <a:endParaRPr lang="en-IN"/>
           </a:p>
@@ -6329,7 +6329,7 @@
           <a:p>
             <a:fld id="{D6746DE3-41F4-4DCF-A8A3-5DF0E39375D9}" type="datetimeFigureOut">
               <a:rPr lang="en-IN" smtClean="0"/>
-              <a:t>26-05-2023</a:t>
+              <a:t>29-05-2023</a:t>
             </a:fld>
             <a:endParaRPr lang="en-IN"/>
           </a:p>
@@ -6471,7 +6471,7 @@
           <a:p>
             <a:fld id="{D6746DE3-41F4-4DCF-A8A3-5DF0E39375D9}" type="datetimeFigureOut">
               <a:rPr lang="en-IN" smtClean="0"/>
-              <a:t>26-05-2023</a:t>
+              <a:t>29-05-2023</a:t>
             </a:fld>
             <a:endParaRPr lang="en-IN"/>
           </a:p>
@@ -6584,7 +6584,7 @@
           <a:p>
             <a:fld id="{D6746DE3-41F4-4DCF-A8A3-5DF0E39375D9}" type="datetimeFigureOut">
               <a:rPr lang="en-IN" smtClean="0"/>
-              <a:t>26-05-2023</a:t>
+              <a:t>29-05-2023</a:t>
             </a:fld>
             <a:endParaRPr lang="en-IN"/>
           </a:p>
@@ -6897,7 +6897,7 @@
           <a:p>
             <a:fld id="{D6746DE3-41F4-4DCF-A8A3-5DF0E39375D9}" type="datetimeFigureOut">
               <a:rPr lang="en-IN" smtClean="0"/>
-              <a:t>26-05-2023</a:t>
+              <a:t>29-05-2023</a:t>
             </a:fld>
             <a:endParaRPr lang="en-IN"/>
           </a:p>
@@ -7186,7 +7186,7 @@
           <a:p>
             <a:fld id="{D6746DE3-41F4-4DCF-A8A3-5DF0E39375D9}" type="datetimeFigureOut">
               <a:rPr lang="en-IN" smtClean="0"/>
-              <a:t>26-05-2023</a:t>
+              <a:t>29-05-2023</a:t>
             </a:fld>
             <a:endParaRPr lang="en-IN"/>
           </a:p>
@@ -7429,7 +7429,7 @@
           <a:p>
             <a:fld id="{D6746DE3-41F4-4DCF-A8A3-5DF0E39375D9}" type="datetimeFigureOut">
               <a:rPr lang="en-IN" smtClean="0"/>
-              <a:t>26-05-2023</a:t>
+              <a:t>29-05-2023</a:t>
             </a:fld>
             <a:endParaRPr lang="en-IN"/>
           </a:p>
@@ -8534,6 +8534,1085 @@
           <a:chExt cx="0" cy="0"/>
         </a:xfrm>
       </p:grpSpPr>
+      <p:sp>
+        <p:nvSpPr>
+          <p:cNvPr id="3" name="Rectangle 2">
+            <a:extLst>
+              <a:ext uri="{FF2B5EF4-FFF2-40B4-BE49-F238E27FC236}">
+                <a16:creationId xmlns:a16="http://schemas.microsoft.com/office/drawing/2014/main" id="{4E173361-52A2-14A9-0EA2-F7AD956D9FBD}"/>
+              </a:ext>
+            </a:extLst>
+          </p:cNvPr>
+          <p:cNvSpPr/>
+          <p:nvPr/>
+        </p:nvSpPr>
+        <p:spPr>
+          <a:xfrm>
+            <a:off x="1046480" y="995680"/>
+            <a:ext cx="4765040" cy="5374640"/>
+          </a:xfrm>
+          <a:prstGeom prst="rect">
+            <a:avLst/>
+          </a:prstGeom>
+          <a:effectLst>
+            <a:outerShdw blurRad="63500" sx="102000" sy="102000" algn="ctr" rotWithShape="0">
+              <a:prstClr val="black">
+                <a:alpha val="40000"/>
+              </a:prstClr>
+            </a:outerShdw>
+          </a:effectLst>
+        </p:spPr>
+        <p:style>
+          <a:lnRef idx="2">
+            <a:schemeClr val="accent1"/>
+          </a:lnRef>
+          <a:fillRef idx="1">
+            <a:schemeClr val="lt1"/>
+          </a:fillRef>
+          <a:effectRef idx="0">
+            <a:schemeClr val="accent1"/>
+          </a:effectRef>
+          <a:fontRef idx="minor">
+            <a:schemeClr val="dk1"/>
+          </a:fontRef>
+        </p:style>
+        <p:txBody>
+          <a:bodyPr rtlCol="0" anchor="ctr"/>
+          <a:lstStyle/>
+          <a:p>
+            <a:pPr algn="ctr"/>
+            <a:endParaRPr lang="en-IN"/>
+          </a:p>
+        </p:txBody>
+      </p:sp>
+      <p:sp>
+        <p:nvSpPr>
+          <p:cNvPr id="4" name="Rectangle 3">
+            <a:extLst>
+              <a:ext uri="{FF2B5EF4-FFF2-40B4-BE49-F238E27FC236}">
+                <a16:creationId xmlns:a16="http://schemas.microsoft.com/office/drawing/2014/main" id="{EBDB392E-0652-6585-A1F8-D95AE1F1343D}"/>
+              </a:ext>
+            </a:extLst>
+          </p:cNvPr>
+          <p:cNvSpPr/>
+          <p:nvPr/>
+        </p:nvSpPr>
+        <p:spPr>
+          <a:xfrm>
+            <a:off x="5811520" y="995680"/>
+            <a:ext cx="4765040" cy="5374640"/>
+          </a:xfrm>
+          <a:prstGeom prst="rect">
+            <a:avLst/>
+          </a:prstGeom>
+          <a:effectLst>
+            <a:outerShdw blurRad="63500" sx="102000" sy="102000" algn="ctr" rotWithShape="0">
+              <a:prstClr val="black">
+                <a:alpha val="40000"/>
+              </a:prstClr>
+            </a:outerShdw>
+          </a:effectLst>
+        </p:spPr>
+        <p:style>
+          <a:lnRef idx="2">
+            <a:schemeClr val="accent1">
+              <a:shade val="50000"/>
+            </a:schemeClr>
+          </a:lnRef>
+          <a:fillRef idx="1">
+            <a:schemeClr val="accent1"/>
+          </a:fillRef>
+          <a:effectRef idx="0">
+            <a:schemeClr val="accent1"/>
+          </a:effectRef>
+          <a:fontRef idx="minor">
+            <a:schemeClr val="lt1"/>
+          </a:fontRef>
+        </p:style>
+        <p:txBody>
+          <a:bodyPr rtlCol="0" anchor="ctr"/>
+          <a:lstStyle/>
+          <a:p>
+            <a:pPr algn="ctr"/>
+            <a:endParaRPr lang="en-IN"/>
+          </a:p>
+        </p:txBody>
+      </p:sp>
+      <p:sp>
+        <p:nvSpPr>
+          <p:cNvPr id="5" name="TextBox 4">
+            <a:extLst>
+              <a:ext uri="{FF2B5EF4-FFF2-40B4-BE49-F238E27FC236}">
+                <a16:creationId xmlns:a16="http://schemas.microsoft.com/office/drawing/2014/main" id="{4EB1B9E1-CBC5-5C50-BDD0-50164E306EEB}"/>
+              </a:ext>
+            </a:extLst>
+          </p:cNvPr>
+          <p:cNvSpPr txBox="1"/>
+          <p:nvPr/>
+        </p:nvSpPr>
+        <p:spPr>
+          <a:xfrm>
+            <a:off x="1615440" y="2070931"/>
+            <a:ext cx="3444240" cy="338554"/>
+          </a:xfrm>
+          <a:prstGeom prst="rect">
+            <a:avLst/>
+          </a:prstGeom>
+          <a:noFill/>
+        </p:spPr>
+        <p:txBody>
+          <a:bodyPr wrap="square" rtlCol="0">
+            <a:spAutoFit/>
+          </a:bodyPr>
+          <a:lstStyle/>
+          <a:p>
+            <a:pPr algn="ctr"/>
+            <a:r>
+              <a:rPr lang="en-IN" sz="1600" dirty="0">
+                <a:latin typeface="Bahnschrift Light Condensed" panose="020B0502040204020203" pitchFamily="34" charset="0"/>
+              </a:rPr>
+              <a:t>Welcome to DefectBoard</a:t>
+            </a:r>
+          </a:p>
+        </p:txBody>
+      </p:sp>
+      <p:sp>
+        <p:nvSpPr>
+          <p:cNvPr id="6" name="Rectangle 5">
+            <a:extLst>
+              <a:ext uri="{FF2B5EF4-FFF2-40B4-BE49-F238E27FC236}">
+                <a16:creationId xmlns:a16="http://schemas.microsoft.com/office/drawing/2014/main" id="{C1823CCE-8712-4C0A-D2BE-C85BE8D25F5B}"/>
+              </a:ext>
+            </a:extLst>
+          </p:cNvPr>
+          <p:cNvSpPr/>
+          <p:nvPr/>
+        </p:nvSpPr>
+        <p:spPr>
+          <a:xfrm>
+            <a:off x="1615440" y="2951440"/>
+            <a:ext cx="3444240" cy="369332"/>
+          </a:xfrm>
+          <a:prstGeom prst="rect">
+            <a:avLst/>
+          </a:prstGeom>
+        </p:spPr>
+        <p:style>
+          <a:lnRef idx="2">
+            <a:schemeClr val="accent2"/>
+          </a:lnRef>
+          <a:fillRef idx="1">
+            <a:schemeClr val="lt1"/>
+          </a:fillRef>
+          <a:effectRef idx="0">
+            <a:schemeClr val="accent2"/>
+          </a:effectRef>
+          <a:fontRef idx="minor">
+            <a:schemeClr val="dk1"/>
+          </a:fontRef>
+        </p:style>
+        <p:txBody>
+          <a:bodyPr rtlCol="0" anchor="ctr"/>
+          <a:lstStyle/>
+          <a:p>
+            <a:pPr algn="ctr"/>
+            <a:endParaRPr lang="en-IN"/>
+          </a:p>
+        </p:txBody>
+      </p:sp>
+      <p:sp>
+        <p:nvSpPr>
+          <p:cNvPr id="7" name="Rectangle 6">
+            <a:extLst>
+              <a:ext uri="{FF2B5EF4-FFF2-40B4-BE49-F238E27FC236}">
+                <a16:creationId xmlns:a16="http://schemas.microsoft.com/office/drawing/2014/main" id="{FCB8676B-FC78-7CFB-8F3C-31363F377C74}"/>
+              </a:ext>
+            </a:extLst>
+          </p:cNvPr>
+          <p:cNvSpPr/>
+          <p:nvPr/>
+        </p:nvSpPr>
+        <p:spPr>
+          <a:xfrm>
+            <a:off x="1615440" y="3707779"/>
+            <a:ext cx="3444240" cy="369332"/>
+          </a:xfrm>
+          <a:prstGeom prst="rect">
+            <a:avLst/>
+          </a:prstGeom>
+        </p:spPr>
+        <p:style>
+          <a:lnRef idx="2">
+            <a:schemeClr val="accent2"/>
+          </a:lnRef>
+          <a:fillRef idx="1">
+            <a:schemeClr val="lt1"/>
+          </a:fillRef>
+          <a:effectRef idx="0">
+            <a:schemeClr val="accent2"/>
+          </a:effectRef>
+          <a:fontRef idx="minor">
+            <a:schemeClr val="dk1"/>
+          </a:fontRef>
+        </p:style>
+        <p:txBody>
+          <a:bodyPr rtlCol="0" anchor="ctr"/>
+          <a:lstStyle/>
+          <a:p>
+            <a:pPr algn="ctr"/>
+            <a:endParaRPr lang="en-IN"/>
+          </a:p>
+        </p:txBody>
+      </p:sp>
+      <p:sp>
+        <p:nvSpPr>
+          <p:cNvPr id="8" name="Rectangle: Rounded Corners 7">
+            <a:extLst>
+              <a:ext uri="{FF2B5EF4-FFF2-40B4-BE49-F238E27FC236}">
+                <a16:creationId xmlns:a16="http://schemas.microsoft.com/office/drawing/2014/main" id="{747CDC0B-8F9F-FE28-697E-152D4541FBC5}"/>
+              </a:ext>
+            </a:extLst>
+          </p:cNvPr>
+          <p:cNvSpPr/>
+          <p:nvPr/>
+        </p:nvSpPr>
+        <p:spPr>
+          <a:xfrm>
+            <a:off x="2814320" y="4455102"/>
+            <a:ext cx="1046480" cy="369332"/>
+          </a:xfrm>
+          <a:prstGeom prst="roundRect">
+            <a:avLst/>
+          </a:prstGeom>
+        </p:spPr>
+        <p:style>
+          <a:lnRef idx="2">
+            <a:schemeClr val="accent1">
+              <a:shade val="50000"/>
+            </a:schemeClr>
+          </a:lnRef>
+          <a:fillRef idx="1">
+            <a:schemeClr val="accent1"/>
+          </a:fillRef>
+          <a:effectRef idx="0">
+            <a:schemeClr val="accent1"/>
+          </a:effectRef>
+          <a:fontRef idx="minor">
+            <a:schemeClr val="lt1"/>
+          </a:fontRef>
+        </p:style>
+        <p:txBody>
+          <a:bodyPr rtlCol="0" anchor="ctr"/>
+          <a:lstStyle/>
+          <a:p>
+            <a:pPr algn="ctr"/>
+            <a:r>
+              <a:rPr lang="en-IN" sz="1600" dirty="0">
+                <a:latin typeface="Book Antiqua" panose="02040602050305030304" pitchFamily="18" charset="0"/>
+              </a:rPr>
+              <a:t>Login</a:t>
+            </a:r>
+            <a:endParaRPr lang="en-IN" dirty="0">
+              <a:latin typeface="Book Antiqua" panose="02040602050305030304" pitchFamily="18" charset="0"/>
+            </a:endParaRPr>
+          </a:p>
+        </p:txBody>
+      </p:sp>
+      <p:sp>
+        <p:nvSpPr>
+          <p:cNvPr id="9" name="TextBox 8">
+            <a:extLst>
+              <a:ext uri="{FF2B5EF4-FFF2-40B4-BE49-F238E27FC236}">
+                <a16:creationId xmlns:a16="http://schemas.microsoft.com/office/drawing/2014/main" id="{8AB91E6D-5ADC-2631-8E84-1E097A3D7E9C}"/>
+              </a:ext>
+            </a:extLst>
+          </p:cNvPr>
+          <p:cNvSpPr txBox="1"/>
+          <p:nvPr/>
+        </p:nvSpPr>
+        <p:spPr>
+          <a:xfrm>
+            <a:off x="1615440" y="2639090"/>
+            <a:ext cx="1483360" cy="276999"/>
+          </a:xfrm>
+          <a:prstGeom prst="rect">
+            <a:avLst/>
+          </a:prstGeom>
+          <a:noFill/>
+        </p:spPr>
+        <p:txBody>
+          <a:bodyPr wrap="square" rtlCol="0">
+            <a:spAutoFit/>
+          </a:bodyPr>
+          <a:lstStyle/>
+          <a:p>
+            <a:r>
+              <a:rPr lang="en-IN" sz="1200" dirty="0"/>
+              <a:t>Username  -</a:t>
+            </a:r>
+          </a:p>
+        </p:txBody>
+      </p:sp>
+      <p:sp>
+        <p:nvSpPr>
+          <p:cNvPr id="10" name="TextBox 9">
+            <a:extLst>
+              <a:ext uri="{FF2B5EF4-FFF2-40B4-BE49-F238E27FC236}">
+                <a16:creationId xmlns:a16="http://schemas.microsoft.com/office/drawing/2014/main" id="{BDE45C6E-55DC-F6A2-F79A-D84474C9E37D}"/>
+              </a:ext>
+            </a:extLst>
+          </p:cNvPr>
+          <p:cNvSpPr txBox="1"/>
+          <p:nvPr/>
+        </p:nvSpPr>
+        <p:spPr>
+          <a:xfrm>
+            <a:off x="1615440" y="3430780"/>
+            <a:ext cx="1483360" cy="276999"/>
+          </a:xfrm>
+          <a:prstGeom prst="rect">
+            <a:avLst/>
+          </a:prstGeom>
+          <a:noFill/>
+        </p:spPr>
+        <p:txBody>
+          <a:bodyPr wrap="square" rtlCol="0">
+            <a:spAutoFit/>
+          </a:bodyPr>
+          <a:lstStyle/>
+          <a:p>
+            <a:r>
+              <a:rPr lang="en-IN" sz="1200" dirty="0"/>
+              <a:t>Password  -</a:t>
+            </a:r>
+          </a:p>
+        </p:txBody>
+      </p:sp>
+      <p:sp>
+        <p:nvSpPr>
+          <p:cNvPr id="11" name="TextBox 10">
+            <a:extLst>
+              <a:ext uri="{FF2B5EF4-FFF2-40B4-BE49-F238E27FC236}">
+                <a16:creationId xmlns:a16="http://schemas.microsoft.com/office/drawing/2014/main" id="{7CB495AB-B769-B015-4585-2B9A9C0FD472}"/>
+              </a:ext>
+            </a:extLst>
+          </p:cNvPr>
+          <p:cNvSpPr txBox="1"/>
+          <p:nvPr/>
+        </p:nvSpPr>
+        <p:spPr>
+          <a:xfrm>
+            <a:off x="3982720" y="4205766"/>
+            <a:ext cx="1371600" cy="261610"/>
+          </a:xfrm>
+          <a:prstGeom prst="rect">
+            <a:avLst/>
+          </a:prstGeom>
+          <a:noFill/>
+        </p:spPr>
+        <p:txBody>
+          <a:bodyPr wrap="square" rtlCol="0">
+            <a:spAutoFit/>
+          </a:bodyPr>
+          <a:lstStyle/>
+          <a:p>
+            <a:r>
+              <a:rPr lang="en-IN" sz="1050" dirty="0">
+                <a:solidFill>
+                  <a:schemeClr val="accent1"/>
+                </a:solidFill>
+              </a:rPr>
+              <a:t>Forgot password ?</a:t>
+            </a:r>
+          </a:p>
+        </p:txBody>
+      </p:sp>
+      <p:sp>
+        <p:nvSpPr>
+          <p:cNvPr id="12" name="TextBox 11">
+            <a:extLst>
+              <a:ext uri="{FF2B5EF4-FFF2-40B4-BE49-F238E27FC236}">
+                <a16:creationId xmlns:a16="http://schemas.microsoft.com/office/drawing/2014/main" id="{D19503C1-8F31-A3CC-E6B1-D53C5576DF4E}"/>
+              </a:ext>
+            </a:extLst>
+          </p:cNvPr>
+          <p:cNvSpPr txBox="1"/>
+          <p:nvPr/>
+        </p:nvSpPr>
+        <p:spPr>
+          <a:xfrm>
+            <a:off x="1615440" y="4202034"/>
+            <a:ext cx="1371600" cy="261610"/>
+          </a:xfrm>
+          <a:prstGeom prst="rect">
+            <a:avLst/>
+          </a:prstGeom>
+          <a:noFill/>
+        </p:spPr>
+        <p:txBody>
+          <a:bodyPr wrap="square" rtlCol="0">
+            <a:spAutoFit/>
+          </a:bodyPr>
+          <a:lstStyle/>
+          <a:p>
+            <a:r>
+              <a:rPr lang="en-IN" sz="1050" dirty="0">
+                <a:solidFill>
+                  <a:schemeClr val="accent1"/>
+                </a:solidFill>
+              </a:rPr>
+              <a:t>New User ?</a:t>
+            </a:r>
+          </a:p>
+        </p:txBody>
+      </p:sp>
+      <p:sp>
+        <p:nvSpPr>
+          <p:cNvPr id="13" name="TextBox 12">
+            <a:extLst>
+              <a:ext uri="{FF2B5EF4-FFF2-40B4-BE49-F238E27FC236}">
+                <a16:creationId xmlns:a16="http://schemas.microsoft.com/office/drawing/2014/main" id="{1AA0F51D-B600-8509-3F33-8ABF8DCC9B4C}"/>
+              </a:ext>
+            </a:extLst>
+          </p:cNvPr>
+          <p:cNvSpPr txBox="1"/>
+          <p:nvPr/>
+        </p:nvSpPr>
+        <p:spPr>
+          <a:xfrm>
+            <a:off x="4859019" y="362452"/>
+            <a:ext cx="1905001" cy="523220"/>
+          </a:xfrm>
+          <a:prstGeom prst="rect">
+            <a:avLst/>
+          </a:prstGeom>
+          <a:noFill/>
+        </p:spPr>
+        <p:txBody>
+          <a:bodyPr wrap="square" rtlCol="0">
+            <a:spAutoFit/>
+          </a:bodyPr>
+          <a:lstStyle/>
+          <a:p>
+            <a:pPr algn="ctr"/>
+            <a:r>
+              <a:rPr lang="en-IN" sz="2800" b="1" dirty="0">
+                <a:latin typeface="Arial Black" panose="020B0A04020102020204" pitchFamily="34" charset="0"/>
+              </a:rPr>
+              <a:t>Login</a:t>
+            </a:r>
+          </a:p>
+        </p:txBody>
+      </p:sp>
+    </p:spTree>
+    <p:extLst>
+      <p:ext uri="{BB962C8B-B14F-4D97-AF65-F5344CB8AC3E}">
+        <p14:creationId xmlns:p14="http://schemas.microsoft.com/office/powerpoint/2010/main" val="4078783489"/>
+      </p:ext>
+    </p:extLst>
+  </p:cSld>
+  <p:clrMapOvr>
+    <a:masterClrMapping/>
+  </p:clrMapOvr>
+</p:sld>
+</file>
+
+<file path=ppt/slides/slide3.xml><?xml version="1.0" encoding="utf-8"?>
+<p:sld xmlns:a="http://schemas.openxmlformats.org/drawingml/2006/main" xmlns:r="http://schemas.openxmlformats.org/officeDocument/2006/relationships" xmlns:p="http://schemas.openxmlformats.org/presentationml/2006/main">
+  <p:cSld>
+    <p:spTree>
+      <p:nvGrpSpPr>
+        <p:cNvPr id="1" name=""/>
+        <p:cNvGrpSpPr/>
+        <p:nvPr/>
+      </p:nvGrpSpPr>
+      <p:grpSpPr>
+        <a:xfrm>
+          <a:off x="0" y="0"/>
+          <a:ext cx="0" cy="0"/>
+          <a:chOff x="0" y="0"/>
+          <a:chExt cx="0" cy="0"/>
+        </a:xfrm>
+      </p:grpSpPr>
+      <p:sp>
+        <p:nvSpPr>
+          <p:cNvPr id="3" name="Rectangle 2">
+            <a:extLst>
+              <a:ext uri="{FF2B5EF4-FFF2-40B4-BE49-F238E27FC236}">
+                <a16:creationId xmlns:a16="http://schemas.microsoft.com/office/drawing/2014/main" id="{4E173361-52A2-14A9-0EA2-F7AD956D9FBD}"/>
+              </a:ext>
+            </a:extLst>
+          </p:cNvPr>
+          <p:cNvSpPr/>
+          <p:nvPr/>
+        </p:nvSpPr>
+        <p:spPr>
+          <a:xfrm>
+            <a:off x="1046480" y="995680"/>
+            <a:ext cx="4765040" cy="5374640"/>
+          </a:xfrm>
+          <a:prstGeom prst="rect">
+            <a:avLst/>
+          </a:prstGeom>
+          <a:effectLst>
+            <a:outerShdw blurRad="63500" sx="102000" sy="102000" algn="ctr" rotWithShape="0">
+              <a:prstClr val="black">
+                <a:alpha val="40000"/>
+              </a:prstClr>
+            </a:outerShdw>
+          </a:effectLst>
+        </p:spPr>
+        <p:style>
+          <a:lnRef idx="2">
+            <a:schemeClr val="accent1"/>
+          </a:lnRef>
+          <a:fillRef idx="1">
+            <a:schemeClr val="lt1"/>
+          </a:fillRef>
+          <a:effectRef idx="0">
+            <a:schemeClr val="accent1"/>
+          </a:effectRef>
+          <a:fontRef idx="minor">
+            <a:schemeClr val="dk1"/>
+          </a:fontRef>
+        </p:style>
+        <p:txBody>
+          <a:bodyPr rtlCol="0" anchor="ctr"/>
+          <a:lstStyle/>
+          <a:p>
+            <a:pPr algn="ctr"/>
+            <a:endParaRPr lang="en-IN" dirty="0"/>
+          </a:p>
+        </p:txBody>
+      </p:sp>
+      <p:sp>
+        <p:nvSpPr>
+          <p:cNvPr id="4" name="Rectangle 3">
+            <a:extLst>
+              <a:ext uri="{FF2B5EF4-FFF2-40B4-BE49-F238E27FC236}">
+                <a16:creationId xmlns:a16="http://schemas.microsoft.com/office/drawing/2014/main" id="{EBDB392E-0652-6585-A1F8-D95AE1F1343D}"/>
+              </a:ext>
+            </a:extLst>
+          </p:cNvPr>
+          <p:cNvSpPr/>
+          <p:nvPr/>
+        </p:nvSpPr>
+        <p:spPr>
+          <a:xfrm>
+            <a:off x="5811520" y="995680"/>
+            <a:ext cx="4765040" cy="5374640"/>
+          </a:xfrm>
+          <a:prstGeom prst="rect">
+            <a:avLst/>
+          </a:prstGeom>
+          <a:effectLst>
+            <a:outerShdw blurRad="63500" sx="102000" sy="102000" algn="ctr" rotWithShape="0">
+              <a:prstClr val="black">
+                <a:alpha val="40000"/>
+              </a:prstClr>
+            </a:outerShdw>
+          </a:effectLst>
+        </p:spPr>
+        <p:style>
+          <a:lnRef idx="2">
+            <a:schemeClr val="accent1">
+              <a:shade val="50000"/>
+            </a:schemeClr>
+          </a:lnRef>
+          <a:fillRef idx="1">
+            <a:schemeClr val="accent1"/>
+          </a:fillRef>
+          <a:effectRef idx="0">
+            <a:schemeClr val="accent1"/>
+          </a:effectRef>
+          <a:fontRef idx="minor">
+            <a:schemeClr val="lt1"/>
+          </a:fontRef>
+        </p:style>
+        <p:txBody>
+          <a:bodyPr rtlCol="0" anchor="ctr"/>
+          <a:lstStyle/>
+          <a:p>
+            <a:pPr algn="ctr"/>
+            <a:endParaRPr lang="en-IN"/>
+          </a:p>
+        </p:txBody>
+      </p:sp>
+      <p:sp>
+        <p:nvSpPr>
+          <p:cNvPr id="5" name="TextBox 4">
+            <a:extLst>
+              <a:ext uri="{FF2B5EF4-FFF2-40B4-BE49-F238E27FC236}">
+                <a16:creationId xmlns:a16="http://schemas.microsoft.com/office/drawing/2014/main" id="{4EB1B9E1-CBC5-5C50-BDD0-50164E306EEB}"/>
+              </a:ext>
+            </a:extLst>
+          </p:cNvPr>
+          <p:cNvSpPr txBox="1"/>
+          <p:nvPr/>
+        </p:nvSpPr>
+        <p:spPr>
+          <a:xfrm>
+            <a:off x="1615440" y="2070931"/>
+            <a:ext cx="3444240" cy="338554"/>
+          </a:xfrm>
+          <a:prstGeom prst="rect">
+            <a:avLst/>
+          </a:prstGeom>
+          <a:noFill/>
+        </p:spPr>
+        <p:txBody>
+          <a:bodyPr wrap="square" rtlCol="0">
+            <a:spAutoFit/>
+          </a:bodyPr>
+          <a:lstStyle/>
+          <a:p>
+            <a:pPr algn="ctr"/>
+            <a:r>
+              <a:rPr lang="en-IN" sz="1600" dirty="0">
+                <a:latin typeface="Bahnschrift Light Condensed" panose="020B0502040204020203" pitchFamily="34" charset="0"/>
+              </a:rPr>
+              <a:t>Welcome to DefectBoard</a:t>
+            </a:r>
+          </a:p>
+        </p:txBody>
+      </p:sp>
+      <p:sp>
+        <p:nvSpPr>
+          <p:cNvPr id="6" name="Rectangle 5">
+            <a:extLst>
+              <a:ext uri="{FF2B5EF4-FFF2-40B4-BE49-F238E27FC236}">
+                <a16:creationId xmlns:a16="http://schemas.microsoft.com/office/drawing/2014/main" id="{C1823CCE-8712-4C0A-D2BE-C85BE8D25F5B}"/>
+              </a:ext>
+            </a:extLst>
+          </p:cNvPr>
+          <p:cNvSpPr/>
+          <p:nvPr/>
+        </p:nvSpPr>
+        <p:spPr>
+          <a:xfrm>
+            <a:off x="1615440" y="2923458"/>
+            <a:ext cx="3444240" cy="369332"/>
+          </a:xfrm>
+          <a:prstGeom prst="rect">
+            <a:avLst/>
+          </a:prstGeom>
+        </p:spPr>
+        <p:style>
+          <a:lnRef idx="2">
+            <a:schemeClr val="accent2"/>
+          </a:lnRef>
+          <a:fillRef idx="1">
+            <a:schemeClr val="lt1"/>
+          </a:fillRef>
+          <a:effectRef idx="0">
+            <a:schemeClr val="accent2"/>
+          </a:effectRef>
+          <a:fontRef idx="minor">
+            <a:schemeClr val="dk1"/>
+          </a:fontRef>
+        </p:style>
+        <p:txBody>
+          <a:bodyPr rtlCol="0" anchor="ctr"/>
+          <a:lstStyle/>
+          <a:p>
+            <a:pPr algn="ctr"/>
+            <a:endParaRPr lang="en-IN"/>
+          </a:p>
+        </p:txBody>
+      </p:sp>
+      <p:sp>
+        <p:nvSpPr>
+          <p:cNvPr id="7" name="Rectangle 6">
+            <a:extLst>
+              <a:ext uri="{FF2B5EF4-FFF2-40B4-BE49-F238E27FC236}">
+                <a16:creationId xmlns:a16="http://schemas.microsoft.com/office/drawing/2014/main" id="{FCB8676B-FC78-7CFB-8F3C-31363F377C74}"/>
+              </a:ext>
+            </a:extLst>
+          </p:cNvPr>
+          <p:cNvSpPr/>
+          <p:nvPr/>
+        </p:nvSpPr>
+        <p:spPr>
+          <a:xfrm>
+            <a:off x="1615440" y="3679797"/>
+            <a:ext cx="3444240" cy="369332"/>
+          </a:xfrm>
+          <a:prstGeom prst="rect">
+            <a:avLst/>
+          </a:prstGeom>
+        </p:spPr>
+        <p:style>
+          <a:lnRef idx="2">
+            <a:schemeClr val="accent2"/>
+          </a:lnRef>
+          <a:fillRef idx="1">
+            <a:schemeClr val="lt1"/>
+          </a:fillRef>
+          <a:effectRef idx="0">
+            <a:schemeClr val="accent2"/>
+          </a:effectRef>
+          <a:fontRef idx="minor">
+            <a:schemeClr val="dk1"/>
+          </a:fontRef>
+        </p:style>
+        <p:txBody>
+          <a:bodyPr rtlCol="0" anchor="ctr"/>
+          <a:lstStyle/>
+          <a:p>
+            <a:pPr algn="ctr"/>
+            <a:endParaRPr lang="en-IN"/>
+          </a:p>
+        </p:txBody>
+      </p:sp>
+      <p:sp>
+        <p:nvSpPr>
+          <p:cNvPr id="8" name="Rectangle: Rounded Corners 7">
+            <a:extLst>
+              <a:ext uri="{FF2B5EF4-FFF2-40B4-BE49-F238E27FC236}">
+                <a16:creationId xmlns:a16="http://schemas.microsoft.com/office/drawing/2014/main" id="{747CDC0B-8F9F-FE28-697E-152D4541FBC5}"/>
+              </a:ext>
+            </a:extLst>
+          </p:cNvPr>
+          <p:cNvSpPr/>
+          <p:nvPr/>
+        </p:nvSpPr>
+        <p:spPr>
+          <a:xfrm>
+            <a:off x="2814320" y="5227706"/>
+            <a:ext cx="1046480" cy="369332"/>
+          </a:xfrm>
+          <a:prstGeom prst="roundRect">
+            <a:avLst/>
+          </a:prstGeom>
+        </p:spPr>
+        <p:style>
+          <a:lnRef idx="2">
+            <a:schemeClr val="accent1">
+              <a:shade val="50000"/>
+            </a:schemeClr>
+          </a:lnRef>
+          <a:fillRef idx="1">
+            <a:schemeClr val="accent1"/>
+          </a:fillRef>
+          <a:effectRef idx="0">
+            <a:schemeClr val="accent1"/>
+          </a:effectRef>
+          <a:fontRef idx="minor">
+            <a:schemeClr val="lt1"/>
+          </a:fontRef>
+        </p:style>
+        <p:txBody>
+          <a:bodyPr rtlCol="0" anchor="ctr"/>
+          <a:lstStyle/>
+          <a:p>
+            <a:pPr algn="ctr"/>
+            <a:r>
+              <a:rPr lang="en-IN" sz="1200" b="1" dirty="0">
+                <a:latin typeface="Book Antiqua" panose="02040602050305030304" pitchFamily="18" charset="0"/>
+              </a:rPr>
+              <a:t>Create User</a:t>
+            </a:r>
+            <a:endParaRPr lang="en-IN" sz="1400" b="1" dirty="0">
+              <a:latin typeface="Book Antiqua" panose="02040602050305030304" pitchFamily="18" charset="0"/>
+            </a:endParaRPr>
+          </a:p>
+        </p:txBody>
+      </p:sp>
+      <p:sp>
+        <p:nvSpPr>
+          <p:cNvPr id="9" name="TextBox 8">
+            <a:extLst>
+              <a:ext uri="{FF2B5EF4-FFF2-40B4-BE49-F238E27FC236}">
+                <a16:creationId xmlns:a16="http://schemas.microsoft.com/office/drawing/2014/main" id="{8AB91E6D-5ADC-2631-8E84-1E097A3D7E9C}"/>
+              </a:ext>
+            </a:extLst>
+          </p:cNvPr>
+          <p:cNvSpPr txBox="1"/>
+          <p:nvPr/>
+        </p:nvSpPr>
+        <p:spPr>
+          <a:xfrm>
+            <a:off x="1615440" y="2611108"/>
+            <a:ext cx="1483360" cy="276999"/>
+          </a:xfrm>
+          <a:prstGeom prst="rect">
+            <a:avLst/>
+          </a:prstGeom>
+          <a:noFill/>
+        </p:spPr>
+        <p:txBody>
+          <a:bodyPr wrap="square" rtlCol="0">
+            <a:spAutoFit/>
+          </a:bodyPr>
+          <a:lstStyle/>
+          <a:p>
+            <a:r>
+              <a:rPr lang="en-IN" sz="1200" dirty="0"/>
+              <a:t>Username  -</a:t>
+            </a:r>
+          </a:p>
+        </p:txBody>
+      </p:sp>
+      <p:sp>
+        <p:nvSpPr>
+          <p:cNvPr id="10" name="TextBox 9">
+            <a:extLst>
+              <a:ext uri="{FF2B5EF4-FFF2-40B4-BE49-F238E27FC236}">
+                <a16:creationId xmlns:a16="http://schemas.microsoft.com/office/drawing/2014/main" id="{BDE45C6E-55DC-F6A2-F79A-D84474C9E37D}"/>
+              </a:ext>
+            </a:extLst>
+          </p:cNvPr>
+          <p:cNvSpPr txBox="1"/>
+          <p:nvPr/>
+        </p:nvSpPr>
+        <p:spPr>
+          <a:xfrm>
+            <a:off x="1615440" y="3402798"/>
+            <a:ext cx="1483360" cy="276999"/>
+          </a:xfrm>
+          <a:prstGeom prst="rect">
+            <a:avLst/>
+          </a:prstGeom>
+          <a:noFill/>
+        </p:spPr>
+        <p:txBody>
+          <a:bodyPr wrap="square" rtlCol="0">
+            <a:spAutoFit/>
+          </a:bodyPr>
+          <a:lstStyle/>
+          <a:p>
+            <a:r>
+              <a:rPr lang="en-IN" sz="1200" dirty="0"/>
+              <a:t>New Password  -</a:t>
+            </a:r>
+          </a:p>
+        </p:txBody>
+      </p:sp>
+      <p:sp>
+        <p:nvSpPr>
+          <p:cNvPr id="11" name="TextBox 10">
+            <a:extLst>
+              <a:ext uri="{FF2B5EF4-FFF2-40B4-BE49-F238E27FC236}">
+                <a16:creationId xmlns:a16="http://schemas.microsoft.com/office/drawing/2014/main" id="{7CB495AB-B769-B015-4585-2B9A9C0FD472}"/>
+              </a:ext>
+            </a:extLst>
+          </p:cNvPr>
+          <p:cNvSpPr txBox="1"/>
+          <p:nvPr/>
+        </p:nvSpPr>
+        <p:spPr>
+          <a:xfrm>
+            <a:off x="3997960" y="4966096"/>
+            <a:ext cx="1371600" cy="261610"/>
+          </a:xfrm>
+          <a:prstGeom prst="rect">
+            <a:avLst/>
+          </a:prstGeom>
+          <a:noFill/>
+        </p:spPr>
+        <p:txBody>
+          <a:bodyPr wrap="square" rtlCol="0">
+            <a:spAutoFit/>
+          </a:bodyPr>
+          <a:lstStyle/>
+          <a:p>
+            <a:r>
+              <a:rPr lang="en-IN" sz="1050" dirty="0">
+                <a:solidFill>
+                  <a:schemeClr val="accent1"/>
+                </a:solidFill>
+              </a:rPr>
+              <a:t>Forgot password ?</a:t>
+            </a:r>
+          </a:p>
+        </p:txBody>
+      </p:sp>
+      <p:sp>
+        <p:nvSpPr>
+          <p:cNvPr id="12" name="TextBox 11">
+            <a:extLst>
+              <a:ext uri="{FF2B5EF4-FFF2-40B4-BE49-F238E27FC236}">
+                <a16:creationId xmlns:a16="http://schemas.microsoft.com/office/drawing/2014/main" id="{D19503C1-8F31-A3CC-E6B1-D53C5576DF4E}"/>
+              </a:ext>
+            </a:extLst>
+          </p:cNvPr>
+          <p:cNvSpPr txBox="1"/>
+          <p:nvPr/>
+        </p:nvSpPr>
+        <p:spPr>
+          <a:xfrm>
+            <a:off x="1615440" y="4966096"/>
+            <a:ext cx="1371600" cy="261610"/>
+          </a:xfrm>
+          <a:prstGeom prst="rect">
+            <a:avLst/>
+          </a:prstGeom>
+          <a:noFill/>
+        </p:spPr>
+        <p:txBody>
+          <a:bodyPr wrap="square" rtlCol="0">
+            <a:spAutoFit/>
+          </a:bodyPr>
+          <a:lstStyle/>
+          <a:p>
+            <a:r>
+              <a:rPr lang="en-IN" sz="1050" dirty="0">
+                <a:solidFill>
+                  <a:schemeClr val="accent1"/>
+                </a:solidFill>
+              </a:rPr>
+              <a:t>User ?</a:t>
+            </a:r>
+          </a:p>
+        </p:txBody>
+      </p:sp>
+      <p:sp>
+        <p:nvSpPr>
+          <p:cNvPr id="13" name="TextBox 12">
+            <a:extLst>
+              <a:ext uri="{FF2B5EF4-FFF2-40B4-BE49-F238E27FC236}">
+                <a16:creationId xmlns:a16="http://schemas.microsoft.com/office/drawing/2014/main" id="{1AA0F51D-B600-8509-3F33-8ABF8DCC9B4C}"/>
+              </a:ext>
+            </a:extLst>
+          </p:cNvPr>
+          <p:cNvSpPr txBox="1"/>
+          <p:nvPr/>
+        </p:nvSpPr>
+        <p:spPr>
+          <a:xfrm>
+            <a:off x="3760469" y="362452"/>
+            <a:ext cx="4102101" cy="523220"/>
+          </a:xfrm>
+          <a:prstGeom prst="rect">
+            <a:avLst/>
+          </a:prstGeom>
+          <a:noFill/>
+        </p:spPr>
+        <p:txBody>
+          <a:bodyPr wrap="square" rtlCol="0">
+            <a:spAutoFit/>
+          </a:bodyPr>
+          <a:lstStyle/>
+          <a:p>
+            <a:pPr algn="ctr"/>
+            <a:r>
+              <a:rPr lang="en-IN" sz="2800" b="1" dirty="0">
+                <a:latin typeface="Arial Black" panose="020B0A04020102020204" pitchFamily="34" charset="0"/>
+              </a:rPr>
+              <a:t>Register New User</a:t>
+            </a:r>
+          </a:p>
+        </p:txBody>
+      </p:sp>
+      <p:sp>
+        <p:nvSpPr>
+          <p:cNvPr id="2" name="Rectangle 1">
+            <a:extLst>
+              <a:ext uri="{FF2B5EF4-FFF2-40B4-BE49-F238E27FC236}">
+                <a16:creationId xmlns:a16="http://schemas.microsoft.com/office/drawing/2014/main" id="{678EDE71-88C8-5DED-F1BE-22E96B9EC2A5}"/>
+              </a:ext>
+            </a:extLst>
+          </p:cNvPr>
+          <p:cNvSpPr/>
+          <p:nvPr/>
+        </p:nvSpPr>
+        <p:spPr>
+          <a:xfrm>
+            <a:off x="1615440" y="4436136"/>
+            <a:ext cx="3444240" cy="369332"/>
+          </a:xfrm>
+          <a:prstGeom prst="rect">
+            <a:avLst/>
+          </a:prstGeom>
+        </p:spPr>
+        <p:style>
+          <a:lnRef idx="2">
+            <a:schemeClr val="accent2"/>
+          </a:lnRef>
+          <a:fillRef idx="1">
+            <a:schemeClr val="lt1"/>
+          </a:fillRef>
+          <a:effectRef idx="0">
+            <a:schemeClr val="accent2"/>
+          </a:effectRef>
+          <a:fontRef idx="minor">
+            <a:schemeClr val="dk1"/>
+          </a:fontRef>
+        </p:style>
+        <p:txBody>
+          <a:bodyPr rtlCol="0" anchor="ctr"/>
+          <a:lstStyle/>
+          <a:p>
+            <a:pPr algn="ctr"/>
+            <a:endParaRPr lang="en-IN"/>
+          </a:p>
+        </p:txBody>
+      </p:sp>
+      <p:sp>
+        <p:nvSpPr>
+          <p:cNvPr id="15" name="TextBox 14">
+            <a:extLst>
+              <a:ext uri="{FF2B5EF4-FFF2-40B4-BE49-F238E27FC236}">
+                <a16:creationId xmlns:a16="http://schemas.microsoft.com/office/drawing/2014/main" id="{460B9451-2F75-709A-45D9-37AA2C09BF71}"/>
+              </a:ext>
+            </a:extLst>
+          </p:cNvPr>
+          <p:cNvSpPr txBox="1"/>
+          <p:nvPr/>
+        </p:nvSpPr>
+        <p:spPr>
+          <a:xfrm>
+            <a:off x="1615440" y="4123786"/>
+            <a:ext cx="1483360" cy="276999"/>
+          </a:xfrm>
+          <a:prstGeom prst="rect">
+            <a:avLst/>
+          </a:prstGeom>
+          <a:noFill/>
+        </p:spPr>
+        <p:txBody>
+          <a:bodyPr wrap="square" rtlCol="0">
+            <a:spAutoFit/>
+          </a:bodyPr>
+          <a:lstStyle/>
+          <a:p>
+            <a:r>
+              <a:rPr lang="en-IN" sz="1200" dirty="0"/>
+              <a:t>Email  -</a:t>
+            </a:r>
+          </a:p>
+        </p:txBody>
+      </p:sp>
+    </p:spTree>
+    <p:extLst>
+      <p:ext uri="{BB962C8B-B14F-4D97-AF65-F5344CB8AC3E}">
+        <p14:creationId xmlns:p14="http://schemas.microsoft.com/office/powerpoint/2010/main" val="644345266"/>
+      </p:ext>
+    </p:extLst>
+  </p:cSld>
+  <p:clrMapOvr>
+    <a:masterClrMapping/>
+  </p:clrMapOvr>
+</p:sld>
+</file>
+
+<file path=ppt/slides/slide4.xml><?xml version="1.0" encoding="utf-8"?>
+<p:sld xmlns:a="http://schemas.openxmlformats.org/drawingml/2006/main" xmlns:r="http://schemas.openxmlformats.org/officeDocument/2006/relationships" xmlns:p="http://schemas.openxmlformats.org/presentationml/2006/main">
+  <p:cSld>
+    <p:spTree>
+      <p:nvGrpSpPr>
+        <p:cNvPr id="1" name=""/>
+        <p:cNvGrpSpPr/>
+        <p:nvPr/>
+      </p:nvGrpSpPr>
+      <p:grpSpPr>
+        <a:xfrm>
+          <a:off x="0" y="0"/>
+          <a:ext cx="0" cy="0"/>
+          <a:chOff x="0" y="0"/>
+          <a:chExt cx="0" cy="0"/>
+        </a:xfrm>
+      </p:grpSpPr>
       <p:grpSp>
         <p:nvGrpSpPr>
           <p:cNvPr id="22" name="Group 21">
@@ -9227,821 +10306,7 @@
 </p:sld>
 </file>
 
-<file path=ppt/slides/slide3.xml><?xml version="1.0" encoding="utf-8"?>
-<p:sld xmlns:a="http://schemas.openxmlformats.org/drawingml/2006/main" xmlns:r="http://schemas.openxmlformats.org/officeDocument/2006/relationships" xmlns:p="http://schemas.openxmlformats.org/presentationml/2006/main">
-  <p:cSld>
-    <p:spTree>
-      <p:nvGrpSpPr>
-        <p:cNvPr id="1" name=""/>
-        <p:cNvGrpSpPr/>
-        <p:nvPr/>
-      </p:nvGrpSpPr>
-      <p:grpSpPr>
-        <a:xfrm>
-          <a:off x="0" y="0"/>
-          <a:ext cx="0" cy="0"/>
-          <a:chOff x="0" y="0"/>
-          <a:chExt cx="0" cy="0"/>
-        </a:xfrm>
-      </p:grpSpPr>
-      <p:graphicFrame>
-        <p:nvGraphicFramePr>
-          <p:cNvPr id="18" name="Table 18">
-            <a:extLst>
-              <a:ext uri="{FF2B5EF4-FFF2-40B4-BE49-F238E27FC236}">
-                <a16:creationId xmlns:a16="http://schemas.microsoft.com/office/drawing/2014/main" id="{FB4FA1A2-48F3-709E-6E77-2A4137EE0507}"/>
-              </a:ext>
-            </a:extLst>
-          </p:cNvPr>
-          <p:cNvGraphicFramePr>
-            <a:graphicFrameLocks noGrp="1"/>
-          </p:cNvGraphicFramePr>
-          <p:nvPr>
-            <p:extLst>
-              <p:ext uri="{D42A27DB-BD31-4B8C-83A1-F6EECF244321}">
-                <p14:modId xmlns:p14="http://schemas.microsoft.com/office/powerpoint/2010/main" val="724930292"/>
-              </p:ext>
-            </p:extLst>
-          </p:nvPr>
-        </p:nvGraphicFramePr>
-        <p:xfrm>
-          <a:off x="152400" y="944880"/>
-          <a:ext cx="11653520" cy="5547360"/>
-        </p:xfrm>
-        <a:graphic>
-          <a:graphicData uri="http://schemas.openxmlformats.org/drawingml/2006/table">
-            <a:tbl>
-              <a:tblPr firstRow="1" bandRow="1">
-                <a:tableStyleId>{5C22544A-7EE6-4342-B048-85BDC9FD1C3A}</a:tableStyleId>
-              </a:tblPr>
-              <a:tblGrid>
-                <a:gridCol w="1690915">
-                  <a:extLst>
-                    <a:ext uri="{9D8B030D-6E8A-4147-A177-3AD203B41FA5}">
-                      <a16:colId xmlns:a16="http://schemas.microsoft.com/office/drawing/2014/main" val="2074826177"/>
-                    </a:ext>
-                  </a:extLst>
-                </a:gridCol>
-                <a:gridCol w="3988525">
-                  <a:extLst>
-                    <a:ext uri="{9D8B030D-6E8A-4147-A177-3AD203B41FA5}">
-                      <a16:colId xmlns:a16="http://schemas.microsoft.com/office/drawing/2014/main" val="2053884842"/>
-                    </a:ext>
-                  </a:extLst>
-                </a:gridCol>
-                <a:gridCol w="1686560">
-                  <a:extLst>
-                    <a:ext uri="{9D8B030D-6E8A-4147-A177-3AD203B41FA5}">
-                      <a16:colId xmlns:a16="http://schemas.microsoft.com/office/drawing/2014/main" val="3599107034"/>
-                    </a:ext>
-                  </a:extLst>
-                </a:gridCol>
-                <a:gridCol w="2225040">
-                  <a:extLst>
-                    <a:ext uri="{9D8B030D-6E8A-4147-A177-3AD203B41FA5}">
-                      <a16:colId xmlns:a16="http://schemas.microsoft.com/office/drawing/2014/main" val="3910568348"/>
-                    </a:ext>
-                  </a:extLst>
-                </a:gridCol>
-                <a:gridCol w="2062480">
-                  <a:extLst>
-                    <a:ext uri="{9D8B030D-6E8A-4147-A177-3AD203B41FA5}">
-                      <a16:colId xmlns:a16="http://schemas.microsoft.com/office/drawing/2014/main" val="3009199089"/>
-                    </a:ext>
-                  </a:extLst>
-                </a:gridCol>
-              </a:tblGrid>
-              <a:tr h="693420">
-                <a:tc>
-                  <a:txBody>
-                    <a:bodyPr/>
-                    <a:lstStyle/>
-                    <a:p>
-                      <a:pPr marL="0" marR="0" lvl="0" indent="0" algn="ctr" defTabSz="914400" rtl="0" eaLnBrk="1" fontAlgn="auto" latinLnBrk="0" hangingPunct="1">
-                        <a:lnSpc>
-                          <a:spcPct val="100000"/>
-                        </a:lnSpc>
-                        <a:spcBef>
-                          <a:spcPts val="0"/>
-                        </a:spcBef>
-                        <a:spcAft>
-                          <a:spcPts val="0"/>
-                        </a:spcAft>
-                        <a:buClrTx/>
-                        <a:buSzTx/>
-                        <a:buFontTx/>
-                        <a:buNone/>
-                        <a:tabLst/>
-                        <a:defRPr/>
-                      </a:pPr>
-                      <a:r>
-                        <a:rPr lang="en-IN" sz="1800" b="1" dirty="0"/>
-                        <a:t>Project ID</a:t>
-                      </a:r>
-                      <a:endParaRPr lang="en-IN" sz="1800" b="1" dirty="0">
-                        <a:solidFill>
-                          <a:srgbClr val="FF0000"/>
-                        </a:solidFill>
-                      </a:endParaRPr>
-                    </a:p>
-                  </a:txBody>
-                  <a:tcPr/>
-                </a:tc>
-                <a:tc>
-                  <a:txBody>
-                    <a:bodyPr/>
-                    <a:lstStyle/>
-                    <a:p>
-                      <a:pPr marL="0" marR="0" lvl="0" indent="0" algn="ctr" defTabSz="914400" rtl="0" eaLnBrk="1" fontAlgn="auto" latinLnBrk="0" hangingPunct="1">
-                        <a:lnSpc>
-                          <a:spcPct val="100000"/>
-                        </a:lnSpc>
-                        <a:spcBef>
-                          <a:spcPts val="0"/>
-                        </a:spcBef>
-                        <a:spcAft>
-                          <a:spcPts val="0"/>
-                        </a:spcAft>
-                        <a:buClrTx/>
-                        <a:buSzTx/>
-                        <a:buFontTx/>
-                        <a:buNone/>
-                        <a:tabLst/>
-                        <a:defRPr/>
-                      </a:pPr>
-                      <a:r>
-                        <a:rPr lang="en-IN" sz="1800" b="1" dirty="0"/>
-                        <a:t>Project </a:t>
-                      </a:r>
-                      <a:endParaRPr lang="en-IN" sz="1800" b="1" dirty="0">
-                        <a:solidFill>
-                          <a:srgbClr val="FF0000"/>
-                        </a:solidFill>
-                      </a:endParaRPr>
-                    </a:p>
-                  </a:txBody>
-                  <a:tcPr/>
-                </a:tc>
-                <a:tc>
-                  <a:txBody>
-                    <a:bodyPr/>
-                    <a:lstStyle/>
-                    <a:p>
-                      <a:pPr marL="0" marR="0" lvl="0" indent="0" algn="ctr" defTabSz="914400" rtl="0" eaLnBrk="1" fontAlgn="auto" latinLnBrk="0" hangingPunct="1">
-                        <a:lnSpc>
-                          <a:spcPct val="100000"/>
-                        </a:lnSpc>
-                        <a:spcBef>
-                          <a:spcPts val="0"/>
-                        </a:spcBef>
-                        <a:spcAft>
-                          <a:spcPts val="0"/>
-                        </a:spcAft>
-                        <a:buClrTx/>
-                        <a:buSzTx/>
-                        <a:buFontTx/>
-                        <a:buNone/>
-                        <a:tabLst/>
-                        <a:defRPr/>
-                      </a:pPr>
-                      <a:r>
-                        <a:rPr lang="en-IN" sz="1800" b="1" dirty="0"/>
-                        <a:t>Project Type </a:t>
-                      </a:r>
-                      <a:endParaRPr lang="en-IN" sz="1800" b="1" dirty="0">
-                        <a:solidFill>
-                          <a:srgbClr val="FF0000"/>
-                        </a:solidFill>
-                      </a:endParaRPr>
-                    </a:p>
-                  </a:txBody>
-                  <a:tcPr/>
-                </a:tc>
-                <a:tc>
-                  <a:txBody>
-                    <a:bodyPr/>
-                    <a:lstStyle/>
-                    <a:p>
-                      <a:pPr marL="0" marR="0" lvl="0" indent="0" algn="ctr" defTabSz="914400" rtl="0" eaLnBrk="1" fontAlgn="auto" latinLnBrk="0" hangingPunct="1">
-                        <a:lnSpc>
-                          <a:spcPct val="100000"/>
-                        </a:lnSpc>
-                        <a:spcBef>
-                          <a:spcPts val="0"/>
-                        </a:spcBef>
-                        <a:spcAft>
-                          <a:spcPts val="0"/>
-                        </a:spcAft>
-                        <a:buClrTx/>
-                        <a:buSzTx/>
-                        <a:buFontTx/>
-                        <a:buNone/>
-                        <a:tabLst/>
-                        <a:defRPr/>
-                      </a:pPr>
-                      <a:r>
-                        <a:rPr lang="en-IN" sz="1800" b="1" dirty="0"/>
-                        <a:t>Team </a:t>
-                      </a:r>
-                      <a:endParaRPr lang="en-IN" sz="1800" b="1" dirty="0">
-                        <a:solidFill>
-                          <a:srgbClr val="FF0000"/>
-                        </a:solidFill>
-                      </a:endParaRPr>
-                    </a:p>
-                  </a:txBody>
-                  <a:tcPr/>
-                </a:tc>
-                <a:tc>
-                  <a:txBody>
-                    <a:bodyPr/>
-                    <a:lstStyle/>
-                    <a:p>
-                      <a:pPr marL="0" marR="0" lvl="0" indent="0" algn="ctr" defTabSz="914400" rtl="0" eaLnBrk="1" fontAlgn="auto" latinLnBrk="0" hangingPunct="1">
-                        <a:lnSpc>
-                          <a:spcPct val="100000"/>
-                        </a:lnSpc>
-                        <a:spcBef>
-                          <a:spcPts val="0"/>
-                        </a:spcBef>
-                        <a:spcAft>
-                          <a:spcPts val="0"/>
-                        </a:spcAft>
-                        <a:buClrTx/>
-                        <a:buSzTx/>
-                        <a:buFontTx/>
-                        <a:buNone/>
-                        <a:tabLst/>
-                        <a:defRPr/>
-                      </a:pPr>
-                      <a:r>
-                        <a:rPr lang="en-IN" sz="1800" b="1" dirty="0"/>
-                        <a:t>Owner </a:t>
-                      </a:r>
-                      <a:endParaRPr lang="en-IN" sz="1800" b="1" dirty="0">
-                        <a:solidFill>
-                          <a:srgbClr val="FF0000"/>
-                        </a:solidFill>
-                      </a:endParaRPr>
-                    </a:p>
-                  </a:txBody>
-                  <a:tcPr/>
-                </a:tc>
-                <a:extLst>
-                  <a:ext uri="{0D108BD9-81ED-4DB2-BD59-A6C34878D82A}">
-                    <a16:rowId xmlns:a16="http://schemas.microsoft.com/office/drawing/2014/main" val="406584984"/>
-                  </a:ext>
-                </a:extLst>
-              </a:tr>
-              <a:tr h="693420">
-                <a:tc>
-                  <a:txBody>
-                    <a:bodyPr/>
-                    <a:lstStyle/>
-                    <a:p>
-                      <a:pPr algn="ctr"/>
-                      <a:r>
-                        <a:rPr lang="en-IN" dirty="0"/>
-                        <a:t>1</a:t>
-                      </a:r>
-                    </a:p>
-                  </a:txBody>
-                  <a:tcPr/>
-                </a:tc>
-                <a:tc>
-                  <a:txBody>
-                    <a:bodyPr/>
-                    <a:lstStyle/>
-                    <a:p>
-                      <a:pPr algn="ctr"/>
-                      <a:r>
-                        <a:rPr lang="en-IN" dirty="0"/>
-                        <a:t>Steady State</a:t>
-                      </a:r>
-                    </a:p>
-                  </a:txBody>
-                  <a:tcPr/>
-                </a:tc>
-                <a:tc>
-                  <a:txBody>
-                    <a:bodyPr/>
-                    <a:lstStyle/>
-                    <a:p>
-                      <a:pPr algn="ctr"/>
-                      <a:r>
-                        <a:rPr lang="en-IN" dirty="0"/>
-                        <a:t>Prod </a:t>
-                      </a:r>
-                    </a:p>
-                  </a:txBody>
-                  <a:tcPr/>
-                </a:tc>
-                <a:tc>
-                  <a:txBody>
-                    <a:bodyPr/>
-                    <a:lstStyle/>
-                    <a:p>
-                      <a:pPr algn="ctr"/>
-                      <a:r>
-                        <a:rPr lang="en-IN" dirty="0"/>
-                        <a:t>10</a:t>
-                      </a:r>
-                    </a:p>
-                  </a:txBody>
-                  <a:tcPr/>
-                </a:tc>
-                <a:tc>
-                  <a:txBody>
-                    <a:bodyPr/>
-                    <a:lstStyle/>
-                    <a:p>
-                      <a:pPr algn="ctr"/>
-                      <a:r>
-                        <a:rPr lang="en-IN" dirty="0"/>
-                        <a:t>Sachin</a:t>
-                      </a:r>
-                    </a:p>
-                  </a:txBody>
-                  <a:tcPr/>
-                </a:tc>
-                <a:extLst>
-                  <a:ext uri="{0D108BD9-81ED-4DB2-BD59-A6C34878D82A}">
-                    <a16:rowId xmlns:a16="http://schemas.microsoft.com/office/drawing/2014/main" val="2396043000"/>
-                  </a:ext>
-                </a:extLst>
-              </a:tr>
-              <a:tr h="693420">
-                <a:tc>
-                  <a:txBody>
-                    <a:bodyPr/>
-                    <a:lstStyle/>
-                    <a:p>
-                      <a:pPr algn="ctr"/>
-                      <a:endParaRPr lang="en-IN"/>
-                    </a:p>
-                  </a:txBody>
-                  <a:tcPr/>
-                </a:tc>
-                <a:tc>
-                  <a:txBody>
-                    <a:bodyPr/>
-                    <a:lstStyle/>
-                    <a:p>
-                      <a:pPr algn="ctr"/>
-                      <a:endParaRPr lang="en-IN"/>
-                    </a:p>
-                  </a:txBody>
-                  <a:tcPr/>
-                </a:tc>
-                <a:tc>
-                  <a:txBody>
-                    <a:bodyPr/>
-                    <a:lstStyle/>
-                    <a:p>
-                      <a:pPr algn="ctr"/>
-                      <a:endParaRPr lang="en-IN"/>
-                    </a:p>
-                  </a:txBody>
-                  <a:tcPr/>
-                </a:tc>
-                <a:tc>
-                  <a:txBody>
-                    <a:bodyPr/>
-                    <a:lstStyle/>
-                    <a:p>
-                      <a:pPr algn="ctr"/>
-                      <a:endParaRPr lang="en-IN"/>
-                    </a:p>
-                  </a:txBody>
-                  <a:tcPr/>
-                </a:tc>
-                <a:tc>
-                  <a:txBody>
-                    <a:bodyPr/>
-                    <a:lstStyle/>
-                    <a:p>
-                      <a:pPr algn="ctr"/>
-                      <a:endParaRPr lang="en-IN"/>
-                    </a:p>
-                  </a:txBody>
-                  <a:tcPr/>
-                </a:tc>
-                <a:extLst>
-                  <a:ext uri="{0D108BD9-81ED-4DB2-BD59-A6C34878D82A}">
-                    <a16:rowId xmlns:a16="http://schemas.microsoft.com/office/drawing/2014/main" val="2801130579"/>
-                  </a:ext>
-                </a:extLst>
-              </a:tr>
-              <a:tr h="693420">
-                <a:tc>
-                  <a:txBody>
-                    <a:bodyPr/>
-                    <a:lstStyle/>
-                    <a:p>
-                      <a:pPr algn="ctr"/>
-                      <a:endParaRPr lang="en-IN"/>
-                    </a:p>
-                  </a:txBody>
-                  <a:tcPr/>
-                </a:tc>
-                <a:tc>
-                  <a:txBody>
-                    <a:bodyPr/>
-                    <a:lstStyle/>
-                    <a:p>
-                      <a:pPr algn="ctr"/>
-                      <a:endParaRPr lang="en-IN"/>
-                    </a:p>
-                  </a:txBody>
-                  <a:tcPr/>
-                </a:tc>
-                <a:tc>
-                  <a:txBody>
-                    <a:bodyPr/>
-                    <a:lstStyle/>
-                    <a:p>
-                      <a:pPr algn="ctr"/>
-                      <a:endParaRPr lang="en-IN"/>
-                    </a:p>
-                  </a:txBody>
-                  <a:tcPr/>
-                </a:tc>
-                <a:tc>
-                  <a:txBody>
-                    <a:bodyPr/>
-                    <a:lstStyle/>
-                    <a:p>
-                      <a:pPr algn="ctr"/>
-                      <a:endParaRPr lang="en-IN"/>
-                    </a:p>
-                  </a:txBody>
-                  <a:tcPr/>
-                </a:tc>
-                <a:tc>
-                  <a:txBody>
-                    <a:bodyPr/>
-                    <a:lstStyle/>
-                    <a:p>
-                      <a:pPr algn="ctr"/>
-                      <a:endParaRPr lang="en-IN"/>
-                    </a:p>
-                  </a:txBody>
-                  <a:tcPr/>
-                </a:tc>
-                <a:extLst>
-                  <a:ext uri="{0D108BD9-81ED-4DB2-BD59-A6C34878D82A}">
-                    <a16:rowId xmlns:a16="http://schemas.microsoft.com/office/drawing/2014/main" val="3071354473"/>
-                  </a:ext>
-                </a:extLst>
-              </a:tr>
-              <a:tr h="693420">
-                <a:tc>
-                  <a:txBody>
-                    <a:bodyPr/>
-                    <a:lstStyle/>
-                    <a:p>
-                      <a:pPr algn="ctr"/>
-                      <a:endParaRPr lang="en-IN"/>
-                    </a:p>
-                  </a:txBody>
-                  <a:tcPr/>
-                </a:tc>
-                <a:tc>
-                  <a:txBody>
-                    <a:bodyPr/>
-                    <a:lstStyle/>
-                    <a:p>
-                      <a:pPr algn="ctr"/>
-                      <a:endParaRPr lang="en-IN"/>
-                    </a:p>
-                  </a:txBody>
-                  <a:tcPr/>
-                </a:tc>
-                <a:tc>
-                  <a:txBody>
-                    <a:bodyPr/>
-                    <a:lstStyle/>
-                    <a:p>
-                      <a:pPr algn="ctr"/>
-                      <a:endParaRPr lang="en-IN"/>
-                    </a:p>
-                  </a:txBody>
-                  <a:tcPr/>
-                </a:tc>
-                <a:tc>
-                  <a:txBody>
-                    <a:bodyPr/>
-                    <a:lstStyle/>
-                    <a:p>
-                      <a:pPr algn="ctr"/>
-                      <a:endParaRPr lang="en-IN"/>
-                    </a:p>
-                  </a:txBody>
-                  <a:tcPr/>
-                </a:tc>
-                <a:tc>
-                  <a:txBody>
-                    <a:bodyPr/>
-                    <a:lstStyle/>
-                    <a:p>
-                      <a:pPr algn="ctr"/>
-                      <a:endParaRPr lang="en-IN"/>
-                    </a:p>
-                  </a:txBody>
-                  <a:tcPr/>
-                </a:tc>
-                <a:extLst>
-                  <a:ext uri="{0D108BD9-81ED-4DB2-BD59-A6C34878D82A}">
-                    <a16:rowId xmlns:a16="http://schemas.microsoft.com/office/drawing/2014/main" val="1181987801"/>
-                  </a:ext>
-                </a:extLst>
-              </a:tr>
-              <a:tr h="693420">
-                <a:tc>
-                  <a:txBody>
-                    <a:bodyPr/>
-                    <a:lstStyle/>
-                    <a:p>
-                      <a:pPr algn="ctr"/>
-                      <a:endParaRPr lang="en-IN"/>
-                    </a:p>
-                  </a:txBody>
-                  <a:tcPr/>
-                </a:tc>
-                <a:tc>
-                  <a:txBody>
-                    <a:bodyPr/>
-                    <a:lstStyle/>
-                    <a:p>
-                      <a:pPr algn="ctr"/>
-                      <a:endParaRPr lang="en-IN"/>
-                    </a:p>
-                  </a:txBody>
-                  <a:tcPr/>
-                </a:tc>
-                <a:tc>
-                  <a:txBody>
-                    <a:bodyPr/>
-                    <a:lstStyle/>
-                    <a:p>
-                      <a:pPr algn="ctr"/>
-                      <a:endParaRPr lang="en-IN"/>
-                    </a:p>
-                  </a:txBody>
-                  <a:tcPr/>
-                </a:tc>
-                <a:tc>
-                  <a:txBody>
-                    <a:bodyPr/>
-                    <a:lstStyle/>
-                    <a:p>
-                      <a:pPr algn="ctr"/>
-                      <a:endParaRPr lang="en-IN"/>
-                    </a:p>
-                  </a:txBody>
-                  <a:tcPr/>
-                </a:tc>
-                <a:tc>
-                  <a:txBody>
-                    <a:bodyPr/>
-                    <a:lstStyle/>
-                    <a:p>
-                      <a:pPr algn="ctr"/>
-                      <a:endParaRPr lang="en-IN"/>
-                    </a:p>
-                  </a:txBody>
-                  <a:tcPr/>
-                </a:tc>
-                <a:extLst>
-                  <a:ext uri="{0D108BD9-81ED-4DB2-BD59-A6C34878D82A}">
-                    <a16:rowId xmlns:a16="http://schemas.microsoft.com/office/drawing/2014/main" val="2925591885"/>
-                  </a:ext>
-                </a:extLst>
-              </a:tr>
-              <a:tr h="693420">
-                <a:tc>
-                  <a:txBody>
-                    <a:bodyPr/>
-                    <a:lstStyle/>
-                    <a:p>
-                      <a:pPr algn="ctr"/>
-                      <a:endParaRPr lang="en-IN"/>
-                    </a:p>
-                  </a:txBody>
-                  <a:tcPr/>
-                </a:tc>
-                <a:tc>
-                  <a:txBody>
-                    <a:bodyPr/>
-                    <a:lstStyle/>
-                    <a:p>
-                      <a:pPr algn="ctr"/>
-                      <a:endParaRPr lang="en-IN"/>
-                    </a:p>
-                  </a:txBody>
-                  <a:tcPr/>
-                </a:tc>
-                <a:tc>
-                  <a:txBody>
-                    <a:bodyPr/>
-                    <a:lstStyle/>
-                    <a:p>
-                      <a:pPr algn="ctr"/>
-                      <a:endParaRPr lang="en-IN"/>
-                    </a:p>
-                  </a:txBody>
-                  <a:tcPr/>
-                </a:tc>
-                <a:tc>
-                  <a:txBody>
-                    <a:bodyPr/>
-                    <a:lstStyle/>
-                    <a:p>
-                      <a:pPr algn="ctr"/>
-                      <a:endParaRPr lang="en-IN"/>
-                    </a:p>
-                  </a:txBody>
-                  <a:tcPr/>
-                </a:tc>
-                <a:tc>
-                  <a:txBody>
-                    <a:bodyPr/>
-                    <a:lstStyle/>
-                    <a:p>
-                      <a:pPr algn="ctr"/>
-                      <a:endParaRPr lang="en-IN"/>
-                    </a:p>
-                  </a:txBody>
-                  <a:tcPr/>
-                </a:tc>
-                <a:extLst>
-                  <a:ext uri="{0D108BD9-81ED-4DB2-BD59-A6C34878D82A}">
-                    <a16:rowId xmlns:a16="http://schemas.microsoft.com/office/drawing/2014/main" val="3902149759"/>
-                  </a:ext>
-                </a:extLst>
-              </a:tr>
-              <a:tr h="693420">
-                <a:tc>
-                  <a:txBody>
-                    <a:bodyPr/>
-                    <a:lstStyle/>
-                    <a:p>
-                      <a:pPr algn="ctr"/>
-                      <a:endParaRPr lang="en-IN"/>
-                    </a:p>
-                  </a:txBody>
-                  <a:tcPr/>
-                </a:tc>
-                <a:tc>
-                  <a:txBody>
-                    <a:bodyPr/>
-                    <a:lstStyle/>
-                    <a:p>
-                      <a:pPr algn="ctr"/>
-                      <a:endParaRPr lang="en-IN"/>
-                    </a:p>
-                  </a:txBody>
-                  <a:tcPr/>
-                </a:tc>
-                <a:tc>
-                  <a:txBody>
-                    <a:bodyPr/>
-                    <a:lstStyle/>
-                    <a:p>
-                      <a:pPr algn="ctr"/>
-                      <a:endParaRPr lang="en-IN"/>
-                    </a:p>
-                  </a:txBody>
-                  <a:tcPr/>
-                </a:tc>
-                <a:tc>
-                  <a:txBody>
-                    <a:bodyPr/>
-                    <a:lstStyle/>
-                    <a:p>
-                      <a:pPr algn="ctr"/>
-                      <a:endParaRPr lang="en-IN" dirty="0"/>
-                    </a:p>
-                  </a:txBody>
-                  <a:tcPr/>
-                </a:tc>
-                <a:tc>
-                  <a:txBody>
-                    <a:bodyPr/>
-                    <a:lstStyle/>
-                    <a:p>
-                      <a:pPr algn="ctr"/>
-                      <a:endParaRPr lang="en-IN" dirty="0"/>
-                    </a:p>
-                  </a:txBody>
-                  <a:tcPr/>
-                </a:tc>
-                <a:extLst>
-                  <a:ext uri="{0D108BD9-81ED-4DB2-BD59-A6C34878D82A}">
-                    <a16:rowId xmlns:a16="http://schemas.microsoft.com/office/drawing/2014/main" val="2119100915"/>
-                  </a:ext>
-                </a:extLst>
-              </a:tr>
-            </a:tbl>
-          </a:graphicData>
-        </a:graphic>
-      </p:graphicFrame>
-      <p:sp>
-        <p:nvSpPr>
-          <p:cNvPr id="19" name="TextBox 18">
-            <a:extLst>
-              <a:ext uri="{FF2B5EF4-FFF2-40B4-BE49-F238E27FC236}">
-                <a16:creationId xmlns:a16="http://schemas.microsoft.com/office/drawing/2014/main" id="{A93938C0-1C7F-AE27-63E7-97BF9B2B119F}"/>
-              </a:ext>
-            </a:extLst>
-          </p:cNvPr>
-          <p:cNvSpPr txBox="1"/>
-          <p:nvPr/>
-        </p:nvSpPr>
-        <p:spPr>
-          <a:xfrm>
-            <a:off x="172720" y="191254"/>
-            <a:ext cx="1595120" cy="369332"/>
-          </a:xfrm>
-          <a:prstGeom prst="rect">
-            <a:avLst/>
-          </a:prstGeom>
-          <a:noFill/>
-        </p:spPr>
-        <p:txBody>
-          <a:bodyPr wrap="square" rtlCol="0">
-            <a:spAutoFit/>
-          </a:bodyPr>
-          <a:lstStyle/>
-          <a:p>
-            <a:r>
-              <a:rPr lang="en-IN" b="1" dirty="0"/>
-              <a:t>Review Project</a:t>
-            </a:r>
-          </a:p>
-        </p:txBody>
-      </p:sp>
-      <p:sp>
-        <p:nvSpPr>
-          <p:cNvPr id="20" name="Rectangle 19">
-            <a:extLst>
-              <a:ext uri="{FF2B5EF4-FFF2-40B4-BE49-F238E27FC236}">
-                <a16:creationId xmlns:a16="http://schemas.microsoft.com/office/drawing/2014/main" id="{957DE310-1AC6-D613-499B-C35FD6BFAAFA}"/>
-              </a:ext>
-            </a:extLst>
-          </p:cNvPr>
-          <p:cNvSpPr/>
-          <p:nvPr/>
-        </p:nvSpPr>
-        <p:spPr>
-          <a:xfrm>
-            <a:off x="10210800" y="560586"/>
-            <a:ext cx="1595120" cy="296426"/>
-          </a:xfrm>
-          <a:prstGeom prst="rect">
-            <a:avLst/>
-          </a:prstGeom>
-        </p:spPr>
-        <p:style>
-          <a:lnRef idx="2">
-            <a:schemeClr val="accent6"/>
-          </a:lnRef>
-          <a:fillRef idx="1">
-            <a:schemeClr val="lt1"/>
-          </a:fillRef>
-          <a:effectRef idx="0">
-            <a:schemeClr val="accent6"/>
-          </a:effectRef>
-          <a:fontRef idx="minor">
-            <a:schemeClr val="dk1"/>
-          </a:fontRef>
-        </p:style>
-        <p:txBody>
-          <a:bodyPr rtlCol="0" anchor="ctr"/>
-          <a:lstStyle/>
-          <a:p>
-            <a:pPr algn="r"/>
-            <a:r>
-              <a:rPr lang="en-IN" sz="1200" dirty="0"/>
-              <a:t>Filter</a:t>
-            </a:r>
-          </a:p>
-        </p:txBody>
-      </p:sp>
-    </p:spTree>
-    <p:extLst>
-      <p:ext uri="{BB962C8B-B14F-4D97-AF65-F5344CB8AC3E}">
-        <p14:creationId xmlns:p14="http://schemas.microsoft.com/office/powerpoint/2010/main" val="298982717"/>
-      </p:ext>
-    </p:extLst>
-  </p:cSld>
-  <p:clrMapOvr>
-    <a:masterClrMapping/>
-  </p:clrMapOvr>
-</p:sld>
-</file>
-
-<file path=ppt/slides/slide4.xml><?xml version="1.0" encoding="utf-8"?>
+<file path=ppt/slides/slide5.xml><?xml version="1.0" encoding="utf-8"?>
 <p:sld xmlns:a="http://schemas.openxmlformats.org/drawingml/2006/main" xmlns:r="http://schemas.openxmlformats.org/officeDocument/2006/relationships" xmlns:p="http://schemas.openxmlformats.org/presentationml/2006/main">
   <p:cSld>
     <p:spTree>
@@ -10237,7 +10502,7 @@
           <p:nvPr>
             <p:extLst>
               <p:ext uri="{D42A27DB-BD31-4B8C-83A1-F6EECF244321}">
-                <p14:modId xmlns:p14="http://schemas.microsoft.com/office/powerpoint/2010/main" val="2902027186"/>
+                <p14:modId xmlns:p14="http://schemas.microsoft.com/office/powerpoint/2010/main" val="1236625433"/>
               </p:ext>
             </p:extLst>
           </p:nvPr>
@@ -10385,7 +10650,7 @@
                       </a:r>
                       <a:r>
                         <a:rPr lang="en-IN" sz="1100" b="1" dirty="0"/>
-                        <a:t>   </a:t>
+                        <a:t>  </a:t>
                       </a:r>
                       <a:r>
                         <a:rPr lang="en-IN" sz="1100" b="1" dirty="0" err="1">
@@ -10401,7 +10666,7 @@
                             <a:srgbClr val="FF0000"/>
                           </a:solidFill>
                         </a:rPr>
-                        <a:t> 1</a:t>
+                        <a:t> 1  </a:t>
                       </a:r>
                       <a:r>
                         <a:rPr lang="en-IN" sz="1100" b="1" dirty="0"/>
@@ -10702,7 +10967,7 @@
         <p:spPr>
           <a:xfrm>
             <a:off x="1315065" y="1204140"/>
-            <a:ext cx="1917290" cy="369332"/>
+            <a:ext cx="1917290" cy="646331"/>
           </a:xfrm>
           <a:prstGeom prst="rect">
             <a:avLst/>
@@ -10723,7 +10988,7 @@
             <a:pPr algn="ctr"/>
             <a:r>
               <a:rPr lang="en-IN" b="1" dirty="0"/>
-              <a:t>Project Name</a:t>
+              <a:t>Project Status Page</a:t>
             </a:r>
           </a:p>
         </p:txBody>
@@ -10964,10 +11229,10 @@
       </p:sp>
       <p:pic>
         <p:nvPicPr>
-          <p:cNvPr id="12" name="Graphic 11" descr="Pencil with solid fill">
+          <p:cNvPr id="16" name="Graphic 15" descr="Close with solid fill">
             <a:extLst>
               <a:ext uri="{FF2B5EF4-FFF2-40B4-BE49-F238E27FC236}">
-                <a16:creationId xmlns:a16="http://schemas.microsoft.com/office/drawing/2014/main" id="{49F5913F-A3DF-68A8-A99E-3B9E72BA61C8}"/>
+                <a16:creationId xmlns:a16="http://schemas.microsoft.com/office/drawing/2014/main" id="{DCC5BB02-3F11-2D6A-0E44-6AFDFF7233E2}"/>
               </a:ext>
             </a:extLst>
           </p:cNvPr>
@@ -10993,7 +11258,7 @@
         </p:blipFill>
         <p:spPr>
           <a:xfrm>
-            <a:off x="4645045" y="3484880"/>
+            <a:off x="4750701" y="3472181"/>
             <a:ext cx="142240" cy="142240"/>
           </a:xfrm>
           <a:prstGeom prst="rect">
@@ -11003,10 +11268,10 @@
       </p:pic>
       <p:pic>
         <p:nvPicPr>
-          <p:cNvPr id="16" name="Graphic 15" descr="Close with solid fill">
+          <p:cNvPr id="18" name="Graphic 17" descr="Magnifying glass with solid fill">
             <a:extLst>
               <a:ext uri="{FF2B5EF4-FFF2-40B4-BE49-F238E27FC236}">
-                <a16:creationId xmlns:a16="http://schemas.microsoft.com/office/drawing/2014/main" id="{DCC5BB02-3F11-2D6A-0E44-6AFDFF7233E2}"/>
+                <a16:creationId xmlns:a16="http://schemas.microsoft.com/office/drawing/2014/main" id="{05EBE456-013D-9490-D005-8D39E2161E08}"/>
               </a:ext>
             </a:extLst>
           </p:cNvPr>
@@ -11032,8 +11297,8 @@
         </p:blipFill>
         <p:spPr>
           <a:xfrm>
-            <a:off x="4843329" y="3484880"/>
-            <a:ext cx="142240" cy="142240"/>
+            <a:off x="10415393" y="1534759"/>
+            <a:ext cx="191647" cy="191647"/>
           </a:xfrm>
           <a:prstGeom prst="rect">
             <a:avLst/>
@@ -11042,10 +11307,10 @@
       </p:pic>
       <p:pic>
         <p:nvPicPr>
-          <p:cNvPr id="18" name="Graphic 17" descr="Magnifying glass with solid fill">
+          <p:cNvPr id="27" name="Graphic 26" descr="Line arrow Straight">
             <a:extLst>
               <a:ext uri="{FF2B5EF4-FFF2-40B4-BE49-F238E27FC236}">
-                <a16:creationId xmlns:a16="http://schemas.microsoft.com/office/drawing/2014/main" id="{05EBE456-013D-9490-D005-8D39E2161E08}"/>
+                <a16:creationId xmlns:a16="http://schemas.microsoft.com/office/drawing/2014/main" id="{41F69BBA-D483-8C03-72F4-C87027D24170}"/>
               </a:ext>
             </a:extLst>
           </p:cNvPr>
@@ -11071,8 +11336,47 @@
         </p:blipFill>
         <p:spPr>
           <a:xfrm>
-            <a:off x="10415393" y="1534759"/>
-            <a:ext cx="191647" cy="191647"/>
+            <a:off x="4584660" y="3472181"/>
+            <a:ext cx="142240" cy="142240"/>
+          </a:xfrm>
+          <a:prstGeom prst="rect">
+            <a:avLst/>
+          </a:prstGeom>
+        </p:spPr>
+      </p:pic>
+      <p:pic>
+        <p:nvPicPr>
+          <p:cNvPr id="28" name="Graphic 27" descr="Line arrow Straight">
+            <a:extLst>
+              <a:ext uri="{FF2B5EF4-FFF2-40B4-BE49-F238E27FC236}">
+                <a16:creationId xmlns:a16="http://schemas.microsoft.com/office/drawing/2014/main" id="{9A47C67A-8911-A114-24DA-EA6695DBDAD0}"/>
+              </a:ext>
+            </a:extLst>
+          </p:cNvPr>
+          <p:cNvPicPr>
+            <a:picLocks noChangeAspect="1"/>
+          </p:cNvPicPr>
+          <p:nvPr/>
+        </p:nvPicPr>
+        <p:blipFill>
+          <a:blip r:embed="rId14">
+            <a:extLst>
+              <a:ext uri="{28A0092B-C50C-407E-A947-70E740481C1C}">
+                <a14:useLocalDpi xmlns:a14="http://schemas.microsoft.com/office/drawing/2010/main" val="0"/>
+              </a:ext>
+              <a:ext uri="{96DAC541-7B7A-43D3-8B79-37D633B846F1}">
+                <asvg:svgBlip xmlns:asvg="http://schemas.microsoft.com/office/drawing/2016/SVG/main" r:embed="rId15"/>
+              </a:ext>
+            </a:extLst>
+          </a:blip>
+          <a:stretch>
+            <a:fillRect/>
+          </a:stretch>
+        </p:blipFill>
+        <p:spPr>
+          <a:xfrm flipH="1">
+            <a:off x="4916743" y="3472182"/>
+            <a:ext cx="142240" cy="142240"/>
           </a:xfrm>
           <a:prstGeom prst="rect">
             <a:avLst/>
@@ -11092,7 +11396,942 @@
 </p:sld>
 </file>
 
-<file path=ppt/slides/slide5.xml><?xml version="1.0" encoding="utf-8"?>
+<file path=ppt/slides/slide6.xml><?xml version="1.0" encoding="utf-8"?>
+<p:sld xmlns:a="http://schemas.openxmlformats.org/drawingml/2006/main" xmlns:r="http://schemas.openxmlformats.org/officeDocument/2006/relationships" xmlns:p="http://schemas.openxmlformats.org/presentationml/2006/main">
+  <p:cSld>
+    <p:spTree>
+      <p:nvGrpSpPr>
+        <p:cNvPr id="1" name=""/>
+        <p:cNvGrpSpPr/>
+        <p:nvPr/>
+      </p:nvGrpSpPr>
+      <p:grpSpPr>
+        <a:xfrm>
+          <a:off x="0" y="0"/>
+          <a:ext cx="0" cy="0"/>
+          <a:chOff x="0" y="0"/>
+          <a:chExt cx="0" cy="0"/>
+        </a:xfrm>
+      </p:grpSpPr>
+      <p:graphicFrame>
+        <p:nvGraphicFramePr>
+          <p:cNvPr id="18" name="Table 18">
+            <a:extLst>
+              <a:ext uri="{FF2B5EF4-FFF2-40B4-BE49-F238E27FC236}">
+                <a16:creationId xmlns:a16="http://schemas.microsoft.com/office/drawing/2014/main" id="{FB4FA1A2-48F3-709E-6E77-2A4137EE0507}"/>
+              </a:ext>
+            </a:extLst>
+          </p:cNvPr>
+          <p:cNvGraphicFramePr>
+            <a:graphicFrameLocks noGrp="1"/>
+          </p:cNvGraphicFramePr>
+          <p:nvPr>
+            <p:extLst>
+              <p:ext uri="{D42A27DB-BD31-4B8C-83A1-F6EECF244321}">
+                <p14:modId xmlns:p14="http://schemas.microsoft.com/office/powerpoint/2010/main" val="271951299"/>
+              </p:ext>
+            </p:extLst>
+          </p:nvPr>
+        </p:nvGraphicFramePr>
+        <p:xfrm>
+          <a:off x="152400" y="944880"/>
+          <a:ext cx="11653521" cy="5547360"/>
+        </p:xfrm>
+        <a:graphic>
+          <a:graphicData uri="http://schemas.openxmlformats.org/drawingml/2006/table">
+            <a:tbl>
+              <a:tblPr firstRow="1" bandRow="1">
+                <a:tableStyleId>{5C22544A-7EE6-4342-B048-85BDC9FD1C3A}</a:tableStyleId>
+              </a:tblPr>
+              <a:tblGrid>
+                <a:gridCol w="1436652">
+                  <a:extLst>
+                    <a:ext uri="{9D8B030D-6E8A-4147-A177-3AD203B41FA5}">
+                      <a16:colId xmlns:a16="http://schemas.microsoft.com/office/drawing/2014/main" val="2074826177"/>
+                    </a:ext>
+                  </a:extLst>
+                </a:gridCol>
+                <a:gridCol w="3388769">
+                  <a:extLst>
+                    <a:ext uri="{9D8B030D-6E8A-4147-A177-3AD203B41FA5}">
+                      <a16:colId xmlns:a16="http://schemas.microsoft.com/office/drawing/2014/main" val="2053884842"/>
+                    </a:ext>
+                  </a:extLst>
+                </a:gridCol>
+                <a:gridCol w="1432952">
+                  <a:extLst>
+                    <a:ext uri="{9D8B030D-6E8A-4147-A177-3AD203B41FA5}">
+                      <a16:colId xmlns:a16="http://schemas.microsoft.com/office/drawing/2014/main" val="3599107034"/>
+                    </a:ext>
+                  </a:extLst>
+                </a:gridCol>
+                <a:gridCol w="1890460">
+                  <a:extLst>
+                    <a:ext uri="{9D8B030D-6E8A-4147-A177-3AD203B41FA5}">
+                      <a16:colId xmlns:a16="http://schemas.microsoft.com/office/drawing/2014/main" val="3910568348"/>
+                    </a:ext>
+                  </a:extLst>
+                </a:gridCol>
+                <a:gridCol w="1752344">
+                  <a:extLst>
+                    <a:ext uri="{9D8B030D-6E8A-4147-A177-3AD203B41FA5}">
+                      <a16:colId xmlns:a16="http://schemas.microsoft.com/office/drawing/2014/main" val="3009199089"/>
+                    </a:ext>
+                  </a:extLst>
+                </a:gridCol>
+                <a:gridCol w="1752344">
+                  <a:extLst>
+                    <a:ext uri="{9D8B030D-6E8A-4147-A177-3AD203B41FA5}">
+                      <a16:colId xmlns:a16="http://schemas.microsoft.com/office/drawing/2014/main" val="4260090940"/>
+                    </a:ext>
+                  </a:extLst>
+                </a:gridCol>
+              </a:tblGrid>
+              <a:tr h="693420">
+                <a:tc>
+                  <a:txBody>
+                    <a:bodyPr/>
+                    <a:lstStyle/>
+                    <a:p>
+                      <a:pPr marL="0" marR="0" lvl="0" indent="0" algn="ctr" defTabSz="914400" rtl="0" eaLnBrk="1" fontAlgn="auto" latinLnBrk="0" hangingPunct="1">
+                        <a:lnSpc>
+                          <a:spcPct val="100000"/>
+                        </a:lnSpc>
+                        <a:spcBef>
+                          <a:spcPts val="0"/>
+                        </a:spcBef>
+                        <a:spcAft>
+                          <a:spcPts val="0"/>
+                        </a:spcAft>
+                        <a:buClrTx/>
+                        <a:buSzTx/>
+                        <a:buFontTx/>
+                        <a:buNone/>
+                        <a:tabLst/>
+                        <a:defRPr/>
+                      </a:pPr>
+                      <a:r>
+                        <a:rPr lang="en-IN" sz="1800" b="1" dirty="0"/>
+                        <a:t>Project ID</a:t>
+                      </a:r>
+                      <a:endParaRPr lang="en-IN" sz="1800" b="1" dirty="0">
+                        <a:solidFill>
+                          <a:srgbClr val="FF0000"/>
+                        </a:solidFill>
+                      </a:endParaRPr>
+                    </a:p>
+                  </a:txBody>
+                  <a:tcPr/>
+                </a:tc>
+                <a:tc>
+                  <a:txBody>
+                    <a:bodyPr/>
+                    <a:lstStyle/>
+                    <a:p>
+                      <a:pPr marL="0" marR="0" lvl="0" indent="0" algn="ctr" defTabSz="914400" rtl="0" eaLnBrk="1" fontAlgn="auto" latinLnBrk="0" hangingPunct="1">
+                        <a:lnSpc>
+                          <a:spcPct val="100000"/>
+                        </a:lnSpc>
+                        <a:spcBef>
+                          <a:spcPts val="0"/>
+                        </a:spcBef>
+                        <a:spcAft>
+                          <a:spcPts val="0"/>
+                        </a:spcAft>
+                        <a:buClrTx/>
+                        <a:buSzTx/>
+                        <a:buFontTx/>
+                        <a:buNone/>
+                        <a:tabLst/>
+                        <a:defRPr/>
+                      </a:pPr>
+                      <a:r>
+                        <a:rPr lang="en-IN" sz="1800" b="1" dirty="0"/>
+                        <a:t>Project </a:t>
+                      </a:r>
+                      <a:endParaRPr lang="en-IN" sz="1800" b="1" dirty="0">
+                        <a:solidFill>
+                          <a:srgbClr val="FF0000"/>
+                        </a:solidFill>
+                      </a:endParaRPr>
+                    </a:p>
+                  </a:txBody>
+                  <a:tcPr/>
+                </a:tc>
+                <a:tc>
+                  <a:txBody>
+                    <a:bodyPr/>
+                    <a:lstStyle/>
+                    <a:p>
+                      <a:pPr marL="0" marR="0" lvl="0" indent="0" algn="ctr" defTabSz="914400" rtl="0" eaLnBrk="1" fontAlgn="auto" latinLnBrk="0" hangingPunct="1">
+                        <a:lnSpc>
+                          <a:spcPct val="100000"/>
+                        </a:lnSpc>
+                        <a:spcBef>
+                          <a:spcPts val="0"/>
+                        </a:spcBef>
+                        <a:spcAft>
+                          <a:spcPts val="0"/>
+                        </a:spcAft>
+                        <a:buClrTx/>
+                        <a:buSzTx/>
+                        <a:buFontTx/>
+                        <a:buNone/>
+                        <a:tabLst/>
+                        <a:defRPr/>
+                      </a:pPr>
+                      <a:r>
+                        <a:rPr lang="en-IN" sz="1800" b="1" dirty="0"/>
+                        <a:t>Project Type </a:t>
+                      </a:r>
+                      <a:endParaRPr lang="en-IN" sz="1800" b="1" dirty="0">
+                        <a:solidFill>
+                          <a:srgbClr val="FF0000"/>
+                        </a:solidFill>
+                      </a:endParaRPr>
+                    </a:p>
+                  </a:txBody>
+                  <a:tcPr/>
+                </a:tc>
+                <a:tc>
+                  <a:txBody>
+                    <a:bodyPr/>
+                    <a:lstStyle/>
+                    <a:p>
+                      <a:pPr marL="0" marR="0" lvl="0" indent="0" algn="ctr" defTabSz="914400" rtl="0" eaLnBrk="1" fontAlgn="auto" latinLnBrk="0" hangingPunct="1">
+                        <a:lnSpc>
+                          <a:spcPct val="100000"/>
+                        </a:lnSpc>
+                        <a:spcBef>
+                          <a:spcPts val="0"/>
+                        </a:spcBef>
+                        <a:spcAft>
+                          <a:spcPts val="0"/>
+                        </a:spcAft>
+                        <a:buClrTx/>
+                        <a:buSzTx/>
+                        <a:buFontTx/>
+                        <a:buNone/>
+                        <a:tabLst/>
+                        <a:defRPr/>
+                      </a:pPr>
+                      <a:r>
+                        <a:rPr lang="en-IN" sz="1800" b="1" dirty="0"/>
+                        <a:t>Team </a:t>
+                      </a:r>
+                      <a:endParaRPr lang="en-IN" sz="1800" b="1" dirty="0">
+                        <a:solidFill>
+                          <a:srgbClr val="FF0000"/>
+                        </a:solidFill>
+                      </a:endParaRPr>
+                    </a:p>
+                  </a:txBody>
+                  <a:tcPr/>
+                </a:tc>
+                <a:tc>
+                  <a:txBody>
+                    <a:bodyPr/>
+                    <a:lstStyle/>
+                    <a:p>
+                      <a:pPr marL="0" marR="0" lvl="0" indent="0" algn="ctr" defTabSz="914400" rtl="0" eaLnBrk="1" fontAlgn="auto" latinLnBrk="0" hangingPunct="1">
+                        <a:lnSpc>
+                          <a:spcPct val="100000"/>
+                        </a:lnSpc>
+                        <a:spcBef>
+                          <a:spcPts val="0"/>
+                        </a:spcBef>
+                        <a:spcAft>
+                          <a:spcPts val="0"/>
+                        </a:spcAft>
+                        <a:buClrTx/>
+                        <a:buSzTx/>
+                        <a:buFontTx/>
+                        <a:buNone/>
+                        <a:tabLst/>
+                        <a:defRPr/>
+                      </a:pPr>
+                      <a:r>
+                        <a:rPr lang="en-IN" sz="1800" b="1" dirty="0"/>
+                        <a:t>Owner </a:t>
+                      </a:r>
+                      <a:endParaRPr lang="en-IN" sz="1800" b="1" dirty="0">
+                        <a:solidFill>
+                          <a:srgbClr val="FF0000"/>
+                        </a:solidFill>
+                      </a:endParaRPr>
+                    </a:p>
+                  </a:txBody>
+                  <a:tcPr/>
+                </a:tc>
+                <a:tc>
+                  <a:txBody>
+                    <a:bodyPr/>
+                    <a:lstStyle/>
+                    <a:p>
+                      <a:pPr marL="0" marR="0" lvl="0" indent="0" algn="ctr" defTabSz="914400" rtl="0" eaLnBrk="1" fontAlgn="auto" latinLnBrk="0" hangingPunct="1">
+                        <a:lnSpc>
+                          <a:spcPct val="100000"/>
+                        </a:lnSpc>
+                        <a:spcBef>
+                          <a:spcPts val="0"/>
+                        </a:spcBef>
+                        <a:spcAft>
+                          <a:spcPts val="0"/>
+                        </a:spcAft>
+                        <a:buClrTx/>
+                        <a:buSzTx/>
+                        <a:buFontTx/>
+                        <a:buNone/>
+                        <a:tabLst/>
+                        <a:defRPr/>
+                      </a:pPr>
+                      <a:r>
+                        <a:rPr lang="en-IN" sz="1800" b="1" dirty="0">
+                          <a:solidFill>
+                            <a:schemeClr val="bg1"/>
+                          </a:solidFill>
+                        </a:rPr>
+                        <a:t>Status</a:t>
+                      </a:r>
+                    </a:p>
+                  </a:txBody>
+                  <a:tcPr/>
+                </a:tc>
+                <a:extLst>
+                  <a:ext uri="{0D108BD9-81ED-4DB2-BD59-A6C34878D82A}">
+                    <a16:rowId xmlns:a16="http://schemas.microsoft.com/office/drawing/2014/main" val="406584984"/>
+                  </a:ext>
+                </a:extLst>
+              </a:tr>
+              <a:tr h="693420">
+                <a:tc>
+                  <a:txBody>
+                    <a:bodyPr/>
+                    <a:lstStyle/>
+                    <a:p>
+                      <a:pPr algn="ctr"/>
+                      <a:r>
+                        <a:rPr lang="en-IN" dirty="0"/>
+                        <a:t>1</a:t>
+                      </a:r>
+                    </a:p>
+                  </a:txBody>
+                  <a:tcPr/>
+                </a:tc>
+                <a:tc>
+                  <a:txBody>
+                    <a:bodyPr/>
+                    <a:lstStyle/>
+                    <a:p>
+                      <a:pPr algn="ctr"/>
+                      <a:r>
+                        <a:rPr lang="en-IN" dirty="0"/>
+                        <a:t>Steady State</a:t>
+                      </a:r>
+                    </a:p>
+                  </a:txBody>
+                  <a:tcPr/>
+                </a:tc>
+                <a:tc>
+                  <a:txBody>
+                    <a:bodyPr/>
+                    <a:lstStyle/>
+                    <a:p>
+                      <a:pPr algn="ctr"/>
+                      <a:r>
+                        <a:rPr lang="en-IN" dirty="0"/>
+                        <a:t>Prod </a:t>
+                      </a:r>
+                    </a:p>
+                  </a:txBody>
+                  <a:tcPr/>
+                </a:tc>
+                <a:tc>
+                  <a:txBody>
+                    <a:bodyPr/>
+                    <a:lstStyle/>
+                    <a:p>
+                      <a:pPr algn="ctr"/>
+                      <a:r>
+                        <a:rPr lang="en-IN" dirty="0"/>
+                        <a:t>10</a:t>
+                      </a:r>
+                    </a:p>
+                  </a:txBody>
+                  <a:tcPr/>
+                </a:tc>
+                <a:tc>
+                  <a:txBody>
+                    <a:bodyPr/>
+                    <a:lstStyle/>
+                    <a:p>
+                      <a:pPr algn="ctr"/>
+                      <a:r>
+                        <a:rPr lang="en-IN" dirty="0"/>
+                        <a:t>Sachin</a:t>
+                      </a:r>
+                    </a:p>
+                  </a:txBody>
+                  <a:tcPr/>
+                </a:tc>
+                <a:tc>
+                  <a:txBody>
+                    <a:bodyPr/>
+                    <a:lstStyle/>
+                    <a:p>
+                      <a:pPr algn="ctr"/>
+                      <a:r>
+                        <a:rPr lang="en-IN" dirty="0"/>
+                        <a:t>WIP</a:t>
+                      </a:r>
+                    </a:p>
+                  </a:txBody>
+                  <a:tcPr/>
+                </a:tc>
+                <a:extLst>
+                  <a:ext uri="{0D108BD9-81ED-4DB2-BD59-A6C34878D82A}">
+                    <a16:rowId xmlns:a16="http://schemas.microsoft.com/office/drawing/2014/main" val="2396043000"/>
+                  </a:ext>
+                </a:extLst>
+              </a:tr>
+              <a:tr h="693420">
+                <a:tc>
+                  <a:txBody>
+                    <a:bodyPr/>
+                    <a:lstStyle/>
+                    <a:p>
+                      <a:pPr algn="ctr"/>
+                      <a:endParaRPr lang="en-IN"/>
+                    </a:p>
+                  </a:txBody>
+                  <a:tcPr/>
+                </a:tc>
+                <a:tc>
+                  <a:txBody>
+                    <a:bodyPr/>
+                    <a:lstStyle/>
+                    <a:p>
+                      <a:pPr algn="ctr"/>
+                      <a:endParaRPr lang="en-IN"/>
+                    </a:p>
+                  </a:txBody>
+                  <a:tcPr/>
+                </a:tc>
+                <a:tc>
+                  <a:txBody>
+                    <a:bodyPr/>
+                    <a:lstStyle/>
+                    <a:p>
+                      <a:pPr algn="ctr"/>
+                      <a:endParaRPr lang="en-IN"/>
+                    </a:p>
+                  </a:txBody>
+                  <a:tcPr/>
+                </a:tc>
+                <a:tc>
+                  <a:txBody>
+                    <a:bodyPr/>
+                    <a:lstStyle/>
+                    <a:p>
+                      <a:pPr algn="ctr"/>
+                      <a:endParaRPr lang="en-IN"/>
+                    </a:p>
+                  </a:txBody>
+                  <a:tcPr/>
+                </a:tc>
+                <a:tc>
+                  <a:txBody>
+                    <a:bodyPr/>
+                    <a:lstStyle/>
+                    <a:p>
+                      <a:pPr algn="ctr"/>
+                      <a:endParaRPr lang="en-IN"/>
+                    </a:p>
+                  </a:txBody>
+                  <a:tcPr/>
+                </a:tc>
+                <a:tc>
+                  <a:txBody>
+                    <a:bodyPr/>
+                    <a:lstStyle/>
+                    <a:p>
+                      <a:pPr algn="ctr"/>
+                      <a:endParaRPr lang="en-IN"/>
+                    </a:p>
+                  </a:txBody>
+                  <a:tcPr/>
+                </a:tc>
+                <a:extLst>
+                  <a:ext uri="{0D108BD9-81ED-4DB2-BD59-A6C34878D82A}">
+                    <a16:rowId xmlns:a16="http://schemas.microsoft.com/office/drawing/2014/main" val="2801130579"/>
+                  </a:ext>
+                </a:extLst>
+              </a:tr>
+              <a:tr h="693420">
+                <a:tc>
+                  <a:txBody>
+                    <a:bodyPr/>
+                    <a:lstStyle/>
+                    <a:p>
+                      <a:pPr algn="ctr"/>
+                      <a:endParaRPr lang="en-IN"/>
+                    </a:p>
+                  </a:txBody>
+                  <a:tcPr/>
+                </a:tc>
+                <a:tc>
+                  <a:txBody>
+                    <a:bodyPr/>
+                    <a:lstStyle/>
+                    <a:p>
+                      <a:pPr algn="ctr"/>
+                      <a:endParaRPr lang="en-IN"/>
+                    </a:p>
+                  </a:txBody>
+                  <a:tcPr/>
+                </a:tc>
+                <a:tc>
+                  <a:txBody>
+                    <a:bodyPr/>
+                    <a:lstStyle/>
+                    <a:p>
+                      <a:pPr algn="ctr"/>
+                      <a:endParaRPr lang="en-IN"/>
+                    </a:p>
+                  </a:txBody>
+                  <a:tcPr/>
+                </a:tc>
+                <a:tc>
+                  <a:txBody>
+                    <a:bodyPr/>
+                    <a:lstStyle/>
+                    <a:p>
+                      <a:pPr algn="ctr"/>
+                      <a:endParaRPr lang="en-IN"/>
+                    </a:p>
+                  </a:txBody>
+                  <a:tcPr/>
+                </a:tc>
+                <a:tc>
+                  <a:txBody>
+                    <a:bodyPr/>
+                    <a:lstStyle/>
+                    <a:p>
+                      <a:pPr algn="ctr"/>
+                      <a:endParaRPr lang="en-IN"/>
+                    </a:p>
+                  </a:txBody>
+                  <a:tcPr/>
+                </a:tc>
+                <a:tc>
+                  <a:txBody>
+                    <a:bodyPr/>
+                    <a:lstStyle/>
+                    <a:p>
+                      <a:pPr algn="ctr"/>
+                      <a:endParaRPr lang="en-IN"/>
+                    </a:p>
+                  </a:txBody>
+                  <a:tcPr/>
+                </a:tc>
+                <a:extLst>
+                  <a:ext uri="{0D108BD9-81ED-4DB2-BD59-A6C34878D82A}">
+                    <a16:rowId xmlns:a16="http://schemas.microsoft.com/office/drawing/2014/main" val="3071354473"/>
+                  </a:ext>
+                </a:extLst>
+              </a:tr>
+              <a:tr h="693420">
+                <a:tc>
+                  <a:txBody>
+                    <a:bodyPr/>
+                    <a:lstStyle/>
+                    <a:p>
+                      <a:pPr algn="ctr"/>
+                      <a:endParaRPr lang="en-IN"/>
+                    </a:p>
+                  </a:txBody>
+                  <a:tcPr/>
+                </a:tc>
+                <a:tc>
+                  <a:txBody>
+                    <a:bodyPr/>
+                    <a:lstStyle/>
+                    <a:p>
+                      <a:pPr algn="ctr"/>
+                      <a:endParaRPr lang="en-IN"/>
+                    </a:p>
+                  </a:txBody>
+                  <a:tcPr/>
+                </a:tc>
+                <a:tc>
+                  <a:txBody>
+                    <a:bodyPr/>
+                    <a:lstStyle/>
+                    <a:p>
+                      <a:pPr algn="ctr"/>
+                      <a:endParaRPr lang="en-IN"/>
+                    </a:p>
+                  </a:txBody>
+                  <a:tcPr/>
+                </a:tc>
+                <a:tc>
+                  <a:txBody>
+                    <a:bodyPr/>
+                    <a:lstStyle/>
+                    <a:p>
+                      <a:pPr algn="ctr"/>
+                      <a:endParaRPr lang="en-IN"/>
+                    </a:p>
+                  </a:txBody>
+                  <a:tcPr/>
+                </a:tc>
+                <a:tc>
+                  <a:txBody>
+                    <a:bodyPr/>
+                    <a:lstStyle/>
+                    <a:p>
+                      <a:pPr algn="ctr"/>
+                      <a:endParaRPr lang="en-IN"/>
+                    </a:p>
+                  </a:txBody>
+                  <a:tcPr/>
+                </a:tc>
+                <a:tc>
+                  <a:txBody>
+                    <a:bodyPr/>
+                    <a:lstStyle/>
+                    <a:p>
+                      <a:pPr algn="ctr"/>
+                      <a:endParaRPr lang="en-IN"/>
+                    </a:p>
+                  </a:txBody>
+                  <a:tcPr/>
+                </a:tc>
+                <a:extLst>
+                  <a:ext uri="{0D108BD9-81ED-4DB2-BD59-A6C34878D82A}">
+                    <a16:rowId xmlns:a16="http://schemas.microsoft.com/office/drawing/2014/main" val="1181987801"/>
+                  </a:ext>
+                </a:extLst>
+              </a:tr>
+              <a:tr h="693420">
+                <a:tc>
+                  <a:txBody>
+                    <a:bodyPr/>
+                    <a:lstStyle/>
+                    <a:p>
+                      <a:pPr algn="ctr"/>
+                      <a:endParaRPr lang="en-IN"/>
+                    </a:p>
+                  </a:txBody>
+                  <a:tcPr/>
+                </a:tc>
+                <a:tc>
+                  <a:txBody>
+                    <a:bodyPr/>
+                    <a:lstStyle/>
+                    <a:p>
+                      <a:pPr algn="ctr"/>
+                      <a:endParaRPr lang="en-IN"/>
+                    </a:p>
+                  </a:txBody>
+                  <a:tcPr/>
+                </a:tc>
+                <a:tc>
+                  <a:txBody>
+                    <a:bodyPr/>
+                    <a:lstStyle/>
+                    <a:p>
+                      <a:pPr algn="ctr"/>
+                      <a:endParaRPr lang="en-IN"/>
+                    </a:p>
+                  </a:txBody>
+                  <a:tcPr/>
+                </a:tc>
+                <a:tc>
+                  <a:txBody>
+                    <a:bodyPr/>
+                    <a:lstStyle/>
+                    <a:p>
+                      <a:pPr algn="ctr"/>
+                      <a:endParaRPr lang="en-IN"/>
+                    </a:p>
+                  </a:txBody>
+                  <a:tcPr/>
+                </a:tc>
+                <a:tc>
+                  <a:txBody>
+                    <a:bodyPr/>
+                    <a:lstStyle/>
+                    <a:p>
+                      <a:pPr algn="ctr"/>
+                      <a:endParaRPr lang="en-IN"/>
+                    </a:p>
+                  </a:txBody>
+                  <a:tcPr/>
+                </a:tc>
+                <a:tc>
+                  <a:txBody>
+                    <a:bodyPr/>
+                    <a:lstStyle/>
+                    <a:p>
+                      <a:pPr algn="ctr"/>
+                      <a:endParaRPr lang="en-IN"/>
+                    </a:p>
+                  </a:txBody>
+                  <a:tcPr/>
+                </a:tc>
+                <a:extLst>
+                  <a:ext uri="{0D108BD9-81ED-4DB2-BD59-A6C34878D82A}">
+                    <a16:rowId xmlns:a16="http://schemas.microsoft.com/office/drawing/2014/main" val="2925591885"/>
+                  </a:ext>
+                </a:extLst>
+              </a:tr>
+              <a:tr h="693420">
+                <a:tc>
+                  <a:txBody>
+                    <a:bodyPr/>
+                    <a:lstStyle/>
+                    <a:p>
+                      <a:pPr algn="ctr"/>
+                      <a:endParaRPr lang="en-IN"/>
+                    </a:p>
+                  </a:txBody>
+                  <a:tcPr/>
+                </a:tc>
+                <a:tc>
+                  <a:txBody>
+                    <a:bodyPr/>
+                    <a:lstStyle/>
+                    <a:p>
+                      <a:pPr algn="ctr"/>
+                      <a:endParaRPr lang="en-IN"/>
+                    </a:p>
+                  </a:txBody>
+                  <a:tcPr/>
+                </a:tc>
+                <a:tc>
+                  <a:txBody>
+                    <a:bodyPr/>
+                    <a:lstStyle/>
+                    <a:p>
+                      <a:pPr algn="ctr"/>
+                      <a:endParaRPr lang="en-IN"/>
+                    </a:p>
+                  </a:txBody>
+                  <a:tcPr/>
+                </a:tc>
+                <a:tc>
+                  <a:txBody>
+                    <a:bodyPr/>
+                    <a:lstStyle/>
+                    <a:p>
+                      <a:pPr algn="ctr"/>
+                      <a:endParaRPr lang="en-IN"/>
+                    </a:p>
+                  </a:txBody>
+                  <a:tcPr/>
+                </a:tc>
+                <a:tc>
+                  <a:txBody>
+                    <a:bodyPr/>
+                    <a:lstStyle/>
+                    <a:p>
+                      <a:pPr algn="ctr"/>
+                      <a:endParaRPr lang="en-IN"/>
+                    </a:p>
+                  </a:txBody>
+                  <a:tcPr/>
+                </a:tc>
+                <a:tc>
+                  <a:txBody>
+                    <a:bodyPr/>
+                    <a:lstStyle/>
+                    <a:p>
+                      <a:pPr algn="ctr"/>
+                      <a:endParaRPr lang="en-IN"/>
+                    </a:p>
+                  </a:txBody>
+                  <a:tcPr/>
+                </a:tc>
+                <a:extLst>
+                  <a:ext uri="{0D108BD9-81ED-4DB2-BD59-A6C34878D82A}">
+                    <a16:rowId xmlns:a16="http://schemas.microsoft.com/office/drawing/2014/main" val="3902149759"/>
+                  </a:ext>
+                </a:extLst>
+              </a:tr>
+              <a:tr h="693420">
+                <a:tc>
+                  <a:txBody>
+                    <a:bodyPr/>
+                    <a:lstStyle/>
+                    <a:p>
+                      <a:pPr algn="ctr"/>
+                      <a:endParaRPr lang="en-IN"/>
+                    </a:p>
+                  </a:txBody>
+                  <a:tcPr/>
+                </a:tc>
+                <a:tc>
+                  <a:txBody>
+                    <a:bodyPr/>
+                    <a:lstStyle/>
+                    <a:p>
+                      <a:pPr algn="ctr"/>
+                      <a:endParaRPr lang="en-IN"/>
+                    </a:p>
+                  </a:txBody>
+                  <a:tcPr/>
+                </a:tc>
+                <a:tc>
+                  <a:txBody>
+                    <a:bodyPr/>
+                    <a:lstStyle/>
+                    <a:p>
+                      <a:pPr algn="ctr"/>
+                      <a:endParaRPr lang="en-IN"/>
+                    </a:p>
+                  </a:txBody>
+                  <a:tcPr/>
+                </a:tc>
+                <a:tc>
+                  <a:txBody>
+                    <a:bodyPr/>
+                    <a:lstStyle/>
+                    <a:p>
+                      <a:pPr algn="ctr"/>
+                      <a:endParaRPr lang="en-IN" dirty="0"/>
+                    </a:p>
+                  </a:txBody>
+                  <a:tcPr/>
+                </a:tc>
+                <a:tc>
+                  <a:txBody>
+                    <a:bodyPr/>
+                    <a:lstStyle/>
+                    <a:p>
+                      <a:pPr algn="ctr"/>
+                      <a:endParaRPr lang="en-IN" dirty="0"/>
+                    </a:p>
+                  </a:txBody>
+                  <a:tcPr/>
+                </a:tc>
+                <a:tc>
+                  <a:txBody>
+                    <a:bodyPr/>
+                    <a:lstStyle/>
+                    <a:p>
+                      <a:pPr algn="ctr"/>
+                      <a:endParaRPr lang="en-IN" dirty="0"/>
+                    </a:p>
+                  </a:txBody>
+                  <a:tcPr/>
+                </a:tc>
+                <a:extLst>
+                  <a:ext uri="{0D108BD9-81ED-4DB2-BD59-A6C34878D82A}">
+                    <a16:rowId xmlns:a16="http://schemas.microsoft.com/office/drawing/2014/main" val="2119100915"/>
+                  </a:ext>
+                </a:extLst>
+              </a:tr>
+            </a:tbl>
+          </a:graphicData>
+        </a:graphic>
+      </p:graphicFrame>
+      <p:sp>
+        <p:nvSpPr>
+          <p:cNvPr id="19" name="TextBox 18">
+            <a:extLst>
+              <a:ext uri="{FF2B5EF4-FFF2-40B4-BE49-F238E27FC236}">
+                <a16:creationId xmlns:a16="http://schemas.microsoft.com/office/drawing/2014/main" id="{A93938C0-1C7F-AE27-63E7-97BF9B2B119F}"/>
+              </a:ext>
+            </a:extLst>
+          </p:cNvPr>
+          <p:cNvSpPr txBox="1"/>
+          <p:nvPr/>
+        </p:nvSpPr>
+        <p:spPr>
+          <a:xfrm>
+            <a:off x="172720" y="191254"/>
+            <a:ext cx="1595120" cy="369332"/>
+          </a:xfrm>
+          <a:prstGeom prst="rect">
+            <a:avLst/>
+          </a:prstGeom>
+          <a:noFill/>
+        </p:spPr>
+        <p:txBody>
+          <a:bodyPr wrap="square" rtlCol="0">
+            <a:spAutoFit/>
+          </a:bodyPr>
+          <a:lstStyle/>
+          <a:p>
+            <a:r>
+              <a:rPr lang="en-IN" b="1" dirty="0"/>
+              <a:t>Review Project</a:t>
+            </a:r>
+          </a:p>
+        </p:txBody>
+      </p:sp>
+      <p:sp>
+        <p:nvSpPr>
+          <p:cNvPr id="20" name="Rectangle 19">
+            <a:extLst>
+              <a:ext uri="{FF2B5EF4-FFF2-40B4-BE49-F238E27FC236}">
+                <a16:creationId xmlns:a16="http://schemas.microsoft.com/office/drawing/2014/main" id="{957DE310-1AC6-D613-499B-C35FD6BFAAFA}"/>
+              </a:ext>
+            </a:extLst>
+          </p:cNvPr>
+          <p:cNvSpPr/>
+          <p:nvPr/>
+        </p:nvSpPr>
+        <p:spPr>
+          <a:xfrm>
+            <a:off x="10210800" y="560586"/>
+            <a:ext cx="1595120" cy="296426"/>
+          </a:xfrm>
+          <a:prstGeom prst="rect">
+            <a:avLst/>
+          </a:prstGeom>
+        </p:spPr>
+        <p:style>
+          <a:lnRef idx="2">
+            <a:schemeClr val="accent6"/>
+          </a:lnRef>
+          <a:fillRef idx="1">
+            <a:schemeClr val="lt1"/>
+          </a:fillRef>
+          <a:effectRef idx="0">
+            <a:schemeClr val="accent6"/>
+          </a:effectRef>
+          <a:fontRef idx="minor">
+            <a:schemeClr val="dk1"/>
+          </a:fontRef>
+        </p:style>
+        <p:txBody>
+          <a:bodyPr rtlCol="0" anchor="ctr"/>
+          <a:lstStyle/>
+          <a:p>
+            <a:pPr algn="r"/>
+            <a:r>
+              <a:rPr lang="en-IN" sz="1200" dirty="0"/>
+              <a:t>Filter</a:t>
+            </a:r>
+          </a:p>
+        </p:txBody>
+      </p:sp>
+    </p:spTree>
+    <p:extLst>
+      <p:ext uri="{BB962C8B-B14F-4D97-AF65-F5344CB8AC3E}">
+        <p14:creationId xmlns:p14="http://schemas.microsoft.com/office/powerpoint/2010/main" val="298982717"/>
+      </p:ext>
+    </p:extLst>
+  </p:cSld>
+  <p:clrMapOvr>
+    <a:masterClrMapping/>
+  </p:clrMapOvr>
+</p:sld>
+</file>
+
+<file path=ppt/slides/slide7.xml><?xml version="1.0" encoding="utf-8"?>
 <p:sld xmlns:a="http://schemas.openxmlformats.org/drawingml/2006/main" xmlns:r="http://schemas.openxmlformats.org/officeDocument/2006/relationships" xmlns:p="http://schemas.openxmlformats.org/presentationml/2006/main">
   <p:cSld>
     <p:spTree>
@@ -12040,7 +13279,7 @@
 </p:sld>
 </file>
 
-<file path=ppt/slides/slide6.xml><?xml version="1.0" encoding="utf-8"?>
+<file path=ppt/slides/slide8.xml><?xml version="1.0" encoding="utf-8"?>
 <p:sld xmlns:a="http://schemas.openxmlformats.org/drawingml/2006/main" xmlns:r="http://schemas.openxmlformats.org/officeDocument/2006/relationships" xmlns:p="http://schemas.openxmlformats.org/presentationml/2006/main">
   <p:cSld>
     <p:spTree>
@@ -12072,14 +13311,14 @@
           <p:nvPr>
             <p:extLst>
               <p:ext uri="{D42A27DB-BD31-4B8C-83A1-F6EECF244321}">
-                <p14:modId xmlns:p14="http://schemas.microsoft.com/office/powerpoint/2010/main" val="1250691998"/>
+                <p14:modId xmlns:p14="http://schemas.microsoft.com/office/powerpoint/2010/main" val="1420445275"/>
               </p:ext>
             </p:extLst>
           </p:nvPr>
         </p:nvGraphicFramePr>
         <p:xfrm>
-          <a:off x="152400" y="944880"/>
-          <a:ext cx="11836405" cy="5547360"/>
+          <a:off x="152400" y="942680"/>
+          <a:ext cx="11653520" cy="5549560"/>
         </p:xfrm>
         <a:graphic>
           <a:graphicData uri="http://schemas.openxmlformats.org/drawingml/2006/table">
@@ -12088,57 +13327,64 @@
                 <a:tableStyleId>{5C22544A-7EE6-4342-B048-85BDC9FD1C3A}</a:tableStyleId>
               </a:tblPr>
               <a:tblGrid>
-                <a:gridCol w="1690915">
+                <a:gridCol w="1456690">
                   <a:extLst>
                     <a:ext uri="{9D8B030D-6E8A-4147-A177-3AD203B41FA5}">
                       <a16:colId xmlns:a16="http://schemas.microsoft.com/office/drawing/2014/main" val="2074826177"/>
                     </a:ext>
                   </a:extLst>
                 </a:gridCol>
-                <a:gridCol w="1690915">
+                <a:gridCol w="1456690">
                   <a:extLst>
                     <a:ext uri="{9D8B030D-6E8A-4147-A177-3AD203B41FA5}">
                       <a16:colId xmlns:a16="http://schemas.microsoft.com/office/drawing/2014/main" val="2053884842"/>
                     </a:ext>
                   </a:extLst>
                 </a:gridCol>
-                <a:gridCol w="1690915">
+                <a:gridCol w="1456690">
                   <a:extLst>
                     <a:ext uri="{9D8B030D-6E8A-4147-A177-3AD203B41FA5}">
                       <a16:colId xmlns:a16="http://schemas.microsoft.com/office/drawing/2014/main" val="3599107034"/>
                     </a:ext>
                   </a:extLst>
                 </a:gridCol>
-                <a:gridCol w="1690915">
+                <a:gridCol w="1456690">
                   <a:extLst>
                     <a:ext uri="{9D8B030D-6E8A-4147-A177-3AD203B41FA5}">
                       <a16:colId xmlns:a16="http://schemas.microsoft.com/office/drawing/2014/main" val="3910568348"/>
                     </a:ext>
                   </a:extLst>
                 </a:gridCol>
-                <a:gridCol w="1690915">
+                <a:gridCol w="1456690">
                   <a:extLst>
                     <a:ext uri="{9D8B030D-6E8A-4147-A177-3AD203B41FA5}">
                       <a16:colId xmlns:a16="http://schemas.microsoft.com/office/drawing/2014/main" val="3009199089"/>
                     </a:ext>
                   </a:extLst>
                 </a:gridCol>
-                <a:gridCol w="1690915">
+                <a:gridCol w="1456690">
                   <a:extLst>
                     <a:ext uri="{9D8B030D-6E8A-4147-A177-3AD203B41FA5}">
                       <a16:colId xmlns:a16="http://schemas.microsoft.com/office/drawing/2014/main" val="482478117"/>
                     </a:ext>
                   </a:extLst>
                 </a:gridCol>
-                <a:gridCol w="1690915">
+                <a:gridCol w="1456690">
                   <a:extLst>
                     <a:ext uri="{9D8B030D-6E8A-4147-A177-3AD203B41FA5}">
                       <a16:colId xmlns:a16="http://schemas.microsoft.com/office/drawing/2014/main" val="1029122789"/>
                     </a:ext>
                   </a:extLst>
                 </a:gridCol>
+                <a:gridCol w="1456690">
+                  <a:extLst>
+                    <a:ext uri="{9D8B030D-6E8A-4147-A177-3AD203B41FA5}">
+                      <a16:colId xmlns:a16="http://schemas.microsoft.com/office/drawing/2014/main" val="379004588"/>
+                    </a:ext>
+                  </a:extLst>
+                </a:gridCol>
               </a:tblGrid>
-              <a:tr h="693420">
+              <a:tr h="693695">
                 <a:tc>
                   <a:txBody>
                     <a:bodyPr/>
@@ -12384,13 +13630,47 @@
                   </a:txBody>
                   <a:tcPr/>
                 </a:tc>
+                <a:tc>
+                  <a:txBody>
+                    <a:bodyPr/>
+                    <a:lstStyle/>
+                    <a:p>
+                      <a:pPr marL="0" marR="0" lvl="0" indent="0" algn="ctr" defTabSz="914400" rtl="0" eaLnBrk="1" fontAlgn="auto" latinLnBrk="0" hangingPunct="1">
+                        <a:lnSpc>
+                          <a:spcPct val="100000"/>
+                        </a:lnSpc>
+                        <a:spcBef>
+                          <a:spcPts val="0"/>
+                        </a:spcBef>
+                        <a:spcAft>
+                          <a:spcPts val="0"/>
+                        </a:spcAft>
+                        <a:buClrTx/>
+                        <a:buSzTx/>
+                        <a:buFontTx/>
+                        <a:buNone/>
+                        <a:tabLst/>
+                        <a:defRPr/>
+                      </a:pPr>
+                      <a:r>
+                        <a:rPr lang="en-IN" sz="1800" b="1" dirty="0">
+                          <a:solidFill>
+                            <a:schemeClr val="bg1"/>
+                          </a:solidFill>
+                        </a:rPr>
+                        <a:t>Status</a:t>
+                      </a:r>
+                    </a:p>
+                  </a:txBody>
+                  <a:tcPr/>
+                </a:tc>
                 <a:extLst>
                   <a:ext uri="{0D108BD9-81ED-4DB2-BD59-A6C34878D82A}">
                     <a16:rowId xmlns:a16="http://schemas.microsoft.com/office/drawing/2014/main" val="406584984"/>
                   </a:ext>
                 </a:extLst>
               </a:tr>
-              <a:tr h="693420">
+              <a:tr h="693695">
                 <a:tc>
                   <a:txBody>
                     <a:bodyPr/>
@@ -12493,13 +13773,24 @@
                   </a:txBody>
                   <a:tcPr/>
                 </a:tc>
+                <a:tc>
+                  <a:txBody>
+                    <a:bodyPr/>
+                    <a:lstStyle/>
+                    <a:p>
+                      <a:pPr algn="ctr"/>
+                      <a:endParaRPr lang="en-IN" dirty="0"/>
+                    </a:p>
+                  </a:txBody>
+                  <a:tcPr/>
+                </a:tc>
                 <a:extLst>
                   <a:ext uri="{0D108BD9-81ED-4DB2-BD59-A6C34878D82A}">
                     <a16:rowId xmlns:a16="http://schemas.microsoft.com/office/drawing/2014/main" val="2396043000"/>
                   </a:ext>
                 </a:extLst>
               </a:tr>
-              <a:tr h="693420">
+              <a:tr h="693695">
                 <a:tc>
                   <a:txBody>
                     <a:bodyPr/>
@@ -12572,7 +13863,18 @@
                     <a:lstStyle/>
                     <a:p>
                       <a:pPr algn="ctr"/>
-                      <a:endParaRPr lang="en-IN"/>
+                      <a:endParaRPr lang="en-IN" dirty="0"/>
+                    </a:p>
+                  </a:txBody>
+                  <a:tcPr/>
+                </a:tc>
+                <a:tc>
+                  <a:txBody>
+                    <a:bodyPr/>
+                    <a:lstStyle/>
+                    <a:p>
+                      <a:pPr algn="ctr"/>
+                      <a:endParaRPr lang="en-IN" dirty="0"/>
                     </a:p>
                   </a:txBody>
                   <a:tcPr/>
@@ -12583,7 +13885,18 @@
                   </a:ext>
                 </a:extLst>
               </a:tr>
-              <a:tr h="693420">
+              <a:tr h="693695">
+                <a:tc>
+                  <a:txBody>
+                    <a:bodyPr/>
+                    <a:lstStyle/>
+                    <a:p>
+                      <a:pPr algn="ctr"/>
+                      <a:endParaRPr lang="en-IN"/>
+                    </a:p>
+                  </a:txBody>
+                  <a:tcPr/>
+                </a:tc>
                 <a:tc>
                   <a:txBody>
                     <a:bodyPr/>
@@ -12667,7 +13980,18 @@
                   </a:ext>
                 </a:extLst>
               </a:tr>
-              <a:tr h="693420">
+              <a:tr h="693695">
+                <a:tc>
+                  <a:txBody>
+                    <a:bodyPr/>
+                    <a:lstStyle/>
+                    <a:p>
+                      <a:pPr algn="ctr"/>
+                      <a:endParaRPr lang="en-IN"/>
+                    </a:p>
+                  </a:txBody>
+                  <a:tcPr/>
+                </a:tc>
                 <a:tc>
                   <a:txBody>
                     <a:bodyPr/>
@@ -12751,7 +14075,18 @@
                   </a:ext>
                 </a:extLst>
               </a:tr>
-              <a:tr h="693420">
+              <a:tr h="693695">
+                <a:tc>
+                  <a:txBody>
+                    <a:bodyPr/>
+                    <a:lstStyle/>
+                    <a:p>
+                      <a:pPr algn="ctr"/>
+                      <a:endParaRPr lang="en-IN"/>
+                    </a:p>
+                  </a:txBody>
+                  <a:tcPr/>
+                </a:tc>
                 <a:tc>
                   <a:txBody>
                     <a:bodyPr/>
@@ -12835,7 +14170,18 @@
                   </a:ext>
                 </a:extLst>
               </a:tr>
-              <a:tr h="693420">
+              <a:tr h="693695">
+                <a:tc>
+                  <a:txBody>
+                    <a:bodyPr/>
+                    <a:lstStyle/>
+                    <a:p>
+                      <a:pPr algn="ctr"/>
+                      <a:endParaRPr lang="en-IN"/>
+                    </a:p>
+                  </a:txBody>
+                  <a:tcPr/>
+                </a:tc>
                 <a:tc>
                   <a:txBody>
                     <a:bodyPr/>
@@ -12919,7 +14265,7 @@
                   </a:ext>
                 </a:extLst>
               </a:tr>
-              <a:tr h="693420">
+              <a:tr h="693695">
                 <a:tc>
                   <a:txBody>
                     <a:bodyPr/>
@@ -12982,6 +14328,17 @@
                     <a:p>
                       <a:pPr algn="ctr"/>
                       <a:endParaRPr lang="en-IN"/>
+                    </a:p>
+                  </a:txBody>
+                  <a:tcPr/>
+                </a:tc>
+                <a:tc>
+                  <a:txBody>
+                    <a:bodyPr/>
+                    <a:lstStyle/>
+                    <a:p>
+                      <a:pPr algn="ctr"/>
+                      <a:endParaRPr lang="en-IN" dirty="0"/>
                     </a:p>
                   </a:txBody>
                   <a:tcPr/>
@@ -13093,1085 +14450,6 @@
     <p:extLst>
       <p:ext uri="{BB962C8B-B14F-4D97-AF65-F5344CB8AC3E}">
         <p14:creationId xmlns:p14="http://schemas.microsoft.com/office/powerpoint/2010/main" val="2933438251"/>
-      </p:ext>
-    </p:extLst>
-  </p:cSld>
-  <p:clrMapOvr>
-    <a:masterClrMapping/>
-  </p:clrMapOvr>
-</p:sld>
-</file>
-
-<file path=ppt/slides/slide7.xml><?xml version="1.0" encoding="utf-8"?>
-<p:sld xmlns:a="http://schemas.openxmlformats.org/drawingml/2006/main" xmlns:r="http://schemas.openxmlformats.org/officeDocument/2006/relationships" xmlns:p="http://schemas.openxmlformats.org/presentationml/2006/main">
-  <p:cSld>
-    <p:spTree>
-      <p:nvGrpSpPr>
-        <p:cNvPr id="1" name=""/>
-        <p:cNvGrpSpPr/>
-        <p:nvPr/>
-      </p:nvGrpSpPr>
-      <p:grpSpPr>
-        <a:xfrm>
-          <a:off x="0" y="0"/>
-          <a:ext cx="0" cy="0"/>
-          <a:chOff x="0" y="0"/>
-          <a:chExt cx="0" cy="0"/>
-        </a:xfrm>
-      </p:grpSpPr>
-      <p:sp>
-        <p:nvSpPr>
-          <p:cNvPr id="3" name="Rectangle 2">
-            <a:extLst>
-              <a:ext uri="{FF2B5EF4-FFF2-40B4-BE49-F238E27FC236}">
-                <a16:creationId xmlns:a16="http://schemas.microsoft.com/office/drawing/2014/main" id="{4E173361-52A2-14A9-0EA2-F7AD956D9FBD}"/>
-              </a:ext>
-            </a:extLst>
-          </p:cNvPr>
-          <p:cNvSpPr/>
-          <p:nvPr/>
-        </p:nvSpPr>
-        <p:spPr>
-          <a:xfrm>
-            <a:off x="1046480" y="995680"/>
-            <a:ext cx="4765040" cy="5374640"/>
-          </a:xfrm>
-          <a:prstGeom prst="rect">
-            <a:avLst/>
-          </a:prstGeom>
-          <a:effectLst>
-            <a:outerShdw blurRad="63500" sx="102000" sy="102000" algn="ctr" rotWithShape="0">
-              <a:prstClr val="black">
-                <a:alpha val="40000"/>
-              </a:prstClr>
-            </a:outerShdw>
-          </a:effectLst>
-        </p:spPr>
-        <p:style>
-          <a:lnRef idx="2">
-            <a:schemeClr val="accent1"/>
-          </a:lnRef>
-          <a:fillRef idx="1">
-            <a:schemeClr val="lt1"/>
-          </a:fillRef>
-          <a:effectRef idx="0">
-            <a:schemeClr val="accent1"/>
-          </a:effectRef>
-          <a:fontRef idx="minor">
-            <a:schemeClr val="dk1"/>
-          </a:fontRef>
-        </p:style>
-        <p:txBody>
-          <a:bodyPr rtlCol="0" anchor="ctr"/>
-          <a:lstStyle/>
-          <a:p>
-            <a:pPr algn="ctr"/>
-            <a:endParaRPr lang="en-IN"/>
-          </a:p>
-        </p:txBody>
-      </p:sp>
-      <p:sp>
-        <p:nvSpPr>
-          <p:cNvPr id="4" name="Rectangle 3">
-            <a:extLst>
-              <a:ext uri="{FF2B5EF4-FFF2-40B4-BE49-F238E27FC236}">
-                <a16:creationId xmlns:a16="http://schemas.microsoft.com/office/drawing/2014/main" id="{EBDB392E-0652-6585-A1F8-D95AE1F1343D}"/>
-              </a:ext>
-            </a:extLst>
-          </p:cNvPr>
-          <p:cNvSpPr/>
-          <p:nvPr/>
-        </p:nvSpPr>
-        <p:spPr>
-          <a:xfrm>
-            <a:off x="5811520" y="995680"/>
-            <a:ext cx="4765040" cy="5374640"/>
-          </a:xfrm>
-          <a:prstGeom prst="rect">
-            <a:avLst/>
-          </a:prstGeom>
-          <a:effectLst>
-            <a:outerShdw blurRad="63500" sx="102000" sy="102000" algn="ctr" rotWithShape="0">
-              <a:prstClr val="black">
-                <a:alpha val="40000"/>
-              </a:prstClr>
-            </a:outerShdw>
-          </a:effectLst>
-        </p:spPr>
-        <p:style>
-          <a:lnRef idx="2">
-            <a:schemeClr val="accent1">
-              <a:shade val="50000"/>
-            </a:schemeClr>
-          </a:lnRef>
-          <a:fillRef idx="1">
-            <a:schemeClr val="accent1"/>
-          </a:fillRef>
-          <a:effectRef idx="0">
-            <a:schemeClr val="accent1"/>
-          </a:effectRef>
-          <a:fontRef idx="minor">
-            <a:schemeClr val="lt1"/>
-          </a:fontRef>
-        </p:style>
-        <p:txBody>
-          <a:bodyPr rtlCol="0" anchor="ctr"/>
-          <a:lstStyle/>
-          <a:p>
-            <a:pPr algn="ctr"/>
-            <a:endParaRPr lang="en-IN"/>
-          </a:p>
-        </p:txBody>
-      </p:sp>
-      <p:sp>
-        <p:nvSpPr>
-          <p:cNvPr id="5" name="TextBox 4">
-            <a:extLst>
-              <a:ext uri="{FF2B5EF4-FFF2-40B4-BE49-F238E27FC236}">
-                <a16:creationId xmlns:a16="http://schemas.microsoft.com/office/drawing/2014/main" id="{4EB1B9E1-CBC5-5C50-BDD0-50164E306EEB}"/>
-              </a:ext>
-            </a:extLst>
-          </p:cNvPr>
-          <p:cNvSpPr txBox="1"/>
-          <p:nvPr/>
-        </p:nvSpPr>
-        <p:spPr>
-          <a:xfrm>
-            <a:off x="1615440" y="2070931"/>
-            <a:ext cx="3444240" cy="338554"/>
-          </a:xfrm>
-          <a:prstGeom prst="rect">
-            <a:avLst/>
-          </a:prstGeom>
-          <a:noFill/>
-        </p:spPr>
-        <p:txBody>
-          <a:bodyPr wrap="square" rtlCol="0">
-            <a:spAutoFit/>
-          </a:bodyPr>
-          <a:lstStyle/>
-          <a:p>
-            <a:pPr algn="ctr"/>
-            <a:r>
-              <a:rPr lang="en-IN" sz="1600" dirty="0">
-                <a:latin typeface="Bahnschrift Light Condensed" panose="020B0502040204020203" pitchFamily="34" charset="0"/>
-              </a:rPr>
-              <a:t>Welcome to DefectBoard</a:t>
-            </a:r>
-          </a:p>
-        </p:txBody>
-      </p:sp>
-      <p:sp>
-        <p:nvSpPr>
-          <p:cNvPr id="6" name="Rectangle 5">
-            <a:extLst>
-              <a:ext uri="{FF2B5EF4-FFF2-40B4-BE49-F238E27FC236}">
-                <a16:creationId xmlns:a16="http://schemas.microsoft.com/office/drawing/2014/main" id="{C1823CCE-8712-4C0A-D2BE-C85BE8D25F5B}"/>
-              </a:ext>
-            </a:extLst>
-          </p:cNvPr>
-          <p:cNvSpPr/>
-          <p:nvPr/>
-        </p:nvSpPr>
-        <p:spPr>
-          <a:xfrm>
-            <a:off x="1615440" y="2951440"/>
-            <a:ext cx="3444240" cy="369332"/>
-          </a:xfrm>
-          <a:prstGeom prst="rect">
-            <a:avLst/>
-          </a:prstGeom>
-        </p:spPr>
-        <p:style>
-          <a:lnRef idx="2">
-            <a:schemeClr val="accent2"/>
-          </a:lnRef>
-          <a:fillRef idx="1">
-            <a:schemeClr val="lt1"/>
-          </a:fillRef>
-          <a:effectRef idx="0">
-            <a:schemeClr val="accent2"/>
-          </a:effectRef>
-          <a:fontRef idx="minor">
-            <a:schemeClr val="dk1"/>
-          </a:fontRef>
-        </p:style>
-        <p:txBody>
-          <a:bodyPr rtlCol="0" anchor="ctr"/>
-          <a:lstStyle/>
-          <a:p>
-            <a:pPr algn="ctr"/>
-            <a:endParaRPr lang="en-IN"/>
-          </a:p>
-        </p:txBody>
-      </p:sp>
-      <p:sp>
-        <p:nvSpPr>
-          <p:cNvPr id="7" name="Rectangle 6">
-            <a:extLst>
-              <a:ext uri="{FF2B5EF4-FFF2-40B4-BE49-F238E27FC236}">
-                <a16:creationId xmlns:a16="http://schemas.microsoft.com/office/drawing/2014/main" id="{FCB8676B-FC78-7CFB-8F3C-31363F377C74}"/>
-              </a:ext>
-            </a:extLst>
-          </p:cNvPr>
-          <p:cNvSpPr/>
-          <p:nvPr/>
-        </p:nvSpPr>
-        <p:spPr>
-          <a:xfrm>
-            <a:off x="1615440" y="3707779"/>
-            <a:ext cx="3444240" cy="369332"/>
-          </a:xfrm>
-          <a:prstGeom prst="rect">
-            <a:avLst/>
-          </a:prstGeom>
-        </p:spPr>
-        <p:style>
-          <a:lnRef idx="2">
-            <a:schemeClr val="accent2"/>
-          </a:lnRef>
-          <a:fillRef idx="1">
-            <a:schemeClr val="lt1"/>
-          </a:fillRef>
-          <a:effectRef idx="0">
-            <a:schemeClr val="accent2"/>
-          </a:effectRef>
-          <a:fontRef idx="minor">
-            <a:schemeClr val="dk1"/>
-          </a:fontRef>
-        </p:style>
-        <p:txBody>
-          <a:bodyPr rtlCol="0" anchor="ctr"/>
-          <a:lstStyle/>
-          <a:p>
-            <a:pPr algn="ctr"/>
-            <a:endParaRPr lang="en-IN"/>
-          </a:p>
-        </p:txBody>
-      </p:sp>
-      <p:sp>
-        <p:nvSpPr>
-          <p:cNvPr id="8" name="Rectangle: Rounded Corners 7">
-            <a:extLst>
-              <a:ext uri="{FF2B5EF4-FFF2-40B4-BE49-F238E27FC236}">
-                <a16:creationId xmlns:a16="http://schemas.microsoft.com/office/drawing/2014/main" id="{747CDC0B-8F9F-FE28-697E-152D4541FBC5}"/>
-              </a:ext>
-            </a:extLst>
-          </p:cNvPr>
-          <p:cNvSpPr/>
-          <p:nvPr/>
-        </p:nvSpPr>
-        <p:spPr>
-          <a:xfrm>
-            <a:off x="2814320" y="4455102"/>
-            <a:ext cx="1046480" cy="369332"/>
-          </a:xfrm>
-          <a:prstGeom prst="roundRect">
-            <a:avLst/>
-          </a:prstGeom>
-        </p:spPr>
-        <p:style>
-          <a:lnRef idx="2">
-            <a:schemeClr val="accent1">
-              <a:shade val="50000"/>
-            </a:schemeClr>
-          </a:lnRef>
-          <a:fillRef idx="1">
-            <a:schemeClr val="accent1"/>
-          </a:fillRef>
-          <a:effectRef idx="0">
-            <a:schemeClr val="accent1"/>
-          </a:effectRef>
-          <a:fontRef idx="minor">
-            <a:schemeClr val="lt1"/>
-          </a:fontRef>
-        </p:style>
-        <p:txBody>
-          <a:bodyPr rtlCol="0" anchor="ctr"/>
-          <a:lstStyle/>
-          <a:p>
-            <a:pPr algn="ctr"/>
-            <a:r>
-              <a:rPr lang="en-IN" sz="1600" dirty="0">
-                <a:latin typeface="Book Antiqua" panose="02040602050305030304" pitchFamily="18" charset="0"/>
-              </a:rPr>
-              <a:t>Login</a:t>
-            </a:r>
-            <a:endParaRPr lang="en-IN" dirty="0">
-              <a:latin typeface="Book Antiqua" panose="02040602050305030304" pitchFamily="18" charset="0"/>
-            </a:endParaRPr>
-          </a:p>
-        </p:txBody>
-      </p:sp>
-      <p:sp>
-        <p:nvSpPr>
-          <p:cNvPr id="9" name="TextBox 8">
-            <a:extLst>
-              <a:ext uri="{FF2B5EF4-FFF2-40B4-BE49-F238E27FC236}">
-                <a16:creationId xmlns:a16="http://schemas.microsoft.com/office/drawing/2014/main" id="{8AB91E6D-5ADC-2631-8E84-1E097A3D7E9C}"/>
-              </a:ext>
-            </a:extLst>
-          </p:cNvPr>
-          <p:cNvSpPr txBox="1"/>
-          <p:nvPr/>
-        </p:nvSpPr>
-        <p:spPr>
-          <a:xfrm>
-            <a:off x="1615440" y="2639090"/>
-            <a:ext cx="1483360" cy="276999"/>
-          </a:xfrm>
-          <a:prstGeom prst="rect">
-            <a:avLst/>
-          </a:prstGeom>
-          <a:noFill/>
-        </p:spPr>
-        <p:txBody>
-          <a:bodyPr wrap="square" rtlCol="0">
-            <a:spAutoFit/>
-          </a:bodyPr>
-          <a:lstStyle/>
-          <a:p>
-            <a:r>
-              <a:rPr lang="en-IN" sz="1200" dirty="0"/>
-              <a:t>Username  -</a:t>
-            </a:r>
-          </a:p>
-        </p:txBody>
-      </p:sp>
-      <p:sp>
-        <p:nvSpPr>
-          <p:cNvPr id="10" name="TextBox 9">
-            <a:extLst>
-              <a:ext uri="{FF2B5EF4-FFF2-40B4-BE49-F238E27FC236}">
-                <a16:creationId xmlns:a16="http://schemas.microsoft.com/office/drawing/2014/main" id="{BDE45C6E-55DC-F6A2-F79A-D84474C9E37D}"/>
-              </a:ext>
-            </a:extLst>
-          </p:cNvPr>
-          <p:cNvSpPr txBox="1"/>
-          <p:nvPr/>
-        </p:nvSpPr>
-        <p:spPr>
-          <a:xfrm>
-            <a:off x="1615440" y="3430780"/>
-            <a:ext cx="1483360" cy="276999"/>
-          </a:xfrm>
-          <a:prstGeom prst="rect">
-            <a:avLst/>
-          </a:prstGeom>
-          <a:noFill/>
-        </p:spPr>
-        <p:txBody>
-          <a:bodyPr wrap="square" rtlCol="0">
-            <a:spAutoFit/>
-          </a:bodyPr>
-          <a:lstStyle/>
-          <a:p>
-            <a:r>
-              <a:rPr lang="en-IN" sz="1200" dirty="0"/>
-              <a:t>Password  -</a:t>
-            </a:r>
-          </a:p>
-        </p:txBody>
-      </p:sp>
-      <p:sp>
-        <p:nvSpPr>
-          <p:cNvPr id="11" name="TextBox 10">
-            <a:extLst>
-              <a:ext uri="{FF2B5EF4-FFF2-40B4-BE49-F238E27FC236}">
-                <a16:creationId xmlns:a16="http://schemas.microsoft.com/office/drawing/2014/main" id="{7CB495AB-B769-B015-4585-2B9A9C0FD472}"/>
-              </a:ext>
-            </a:extLst>
-          </p:cNvPr>
-          <p:cNvSpPr txBox="1"/>
-          <p:nvPr/>
-        </p:nvSpPr>
-        <p:spPr>
-          <a:xfrm>
-            <a:off x="3982720" y="4205766"/>
-            <a:ext cx="1371600" cy="261610"/>
-          </a:xfrm>
-          <a:prstGeom prst="rect">
-            <a:avLst/>
-          </a:prstGeom>
-          <a:noFill/>
-        </p:spPr>
-        <p:txBody>
-          <a:bodyPr wrap="square" rtlCol="0">
-            <a:spAutoFit/>
-          </a:bodyPr>
-          <a:lstStyle/>
-          <a:p>
-            <a:r>
-              <a:rPr lang="en-IN" sz="1050" dirty="0">
-                <a:solidFill>
-                  <a:schemeClr val="accent1"/>
-                </a:solidFill>
-              </a:rPr>
-              <a:t>Forgot password ?</a:t>
-            </a:r>
-          </a:p>
-        </p:txBody>
-      </p:sp>
-      <p:sp>
-        <p:nvSpPr>
-          <p:cNvPr id="12" name="TextBox 11">
-            <a:extLst>
-              <a:ext uri="{FF2B5EF4-FFF2-40B4-BE49-F238E27FC236}">
-                <a16:creationId xmlns:a16="http://schemas.microsoft.com/office/drawing/2014/main" id="{D19503C1-8F31-A3CC-E6B1-D53C5576DF4E}"/>
-              </a:ext>
-            </a:extLst>
-          </p:cNvPr>
-          <p:cNvSpPr txBox="1"/>
-          <p:nvPr/>
-        </p:nvSpPr>
-        <p:spPr>
-          <a:xfrm>
-            <a:off x="1615440" y="4202034"/>
-            <a:ext cx="1371600" cy="261610"/>
-          </a:xfrm>
-          <a:prstGeom prst="rect">
-            <a:avLst/>
-          </a:prstGeom>
-          <a:noFill/>
-        </p:spPr>
-        <p:txBody>
-          <a:bodyPr wrap="square" rtlCol="0">
-            <a:spAutoFit/>
-          </a:bodyPr>
-          <a:lstStyle/>
-          <a:p>
-            <a:r>
-              <a:rPr lang="en-IN" sz="1050" dirty="0">
-                <a:solidFill>
-                  <a:schemeClr val="accent1"/>
-                </a:solidFill>
-              </a:rPr>
-              <a:t>New User ?</a:t>
-            </a:r>
-          </a:p>
-        </p:txBody>
-      </p:sp>
-      <p:sp>
-        <p:nvSpPr>
-          <p:cNvPr id="13" name="TextBox 12">
-            <a:extLst>
-              <a:ext uri="{FF2B5EF4-FFF2-40B4-BE49-F238E27FC236}">
-                <a16:creationId xmlns:a16="http://schemas.microsoft.com/office/drawing/2014/main" id="{1AA0F51D-B600-8509-3F33-8ABF8DCC9B4C}"/>
-              </a:ext>
-            </a:extLst>
-          </p:cNvPr>
-          <p:cNvSpPr txBox="1"/>
-          <p:nvPr/>
-        </p:nvSpPr>
-        <p:spPr>
-          <a:xfrm>
-            <a:off x="4859019" y="362452"/>
-            <a:ext cx="1905001" cy="523220"/>
-          </a:xfrm>
-          <a:prstGeom prst="rect">
-            <a:avLst/>
-          </a:prstGeom>
-          <a:noFill/>
-        </p:spPr>
-        <p:txBody>
-          <a:bodyPr wrap="square" rtlCol="0">
-            <a:spAutoFit/>
-          </a:bodyPr>
-          <a:lstStyle/>
-          <a:p>
-            <a:pPr algn="ctr"/>
-            <a:r>
-              <a:rPr lang="en-IN" sz="2800" b="1" dirty="0">
-                <a:latin typeface="Arial Black" panose="020B0A04020102020204" pitchFamily="34" charset="0"/>
-              </a:rPr>
-              <a:t>Login</a:t>
-            </a:r>
-          </a:p>
-        </p:txBody>
-      </p:sp>
-    </p:spTree>
-    <p:extLst>
-      <p:ext uri="{BB962C8B-B14F-4D97-AF65-F5344CB8AC3E}">
-        <p14:creationId xmlns:p14="http://schemas.microsoft.com/office/powerpoint/2010/main" val="4078783489"/>
-      </p:ext>
-    </p:extLst>
-  </p:cSld>
-  <p:clrMapOvr>
-    <a:masterClrMapping/>
-  </p:clrMapOvr>
-</p:sld>
-</file>
-
-<file path=ppt/slides/slide8.xml><?xml version="1.0" encoding="utf-8"?>
-<p:sld xmlns:a="http://schemas.openxmlformats.org/drawingml/2006/main" xmlns:r="http://schemas.openxmlformats.org/officeDocument/2006/relationships" xmlns:p="http://schemas.openxmlformats.org/presentationml/2006/main">
-  <p:cSld>
-    <p:spTree>
-      <p:nvGrpSpPr>
-        <p:cNvPr id="1" name=""/>
-        <p:cNvGrpSpPr/>
-        <p:nvPr/>
-      </p:nvGrpSpPr>
-      <p:grpSpPr>
-        <a:xfrm>
-          <a:off x="0" y="0"/>
-          <a:ext cx="0" cy="0"/>
-          <a:chOff x="0" y="0"/>
-          <a:chExt cx="0" cy="0"/>
-        </a:xfrm>
-      </p:grpSpPr>
-      <p:sp>
-        <p:nvSpPr>
-          <p:cNvPr id="3" name="Rectangle 2">
-            <a:extLst>
-              <a:ext uri="{FF2B5EF4-FFF2-40B4-BE49-F238E27FC236}">
-                <a16:creationId xmlns:a16="http://schemas.microsoft.com/office/drawing/2014/main" id="{4E173361-52A2-14A9-0EA2-F7AD956D9FBD}"/>
-              </a:ext>
-            </a:extLst>
-          </p:cNvPr>
-          <p:cNvSpPr/>
-          <p:nvPr/>
-        </p:nvSpPr>
-        <p:spPr>
-          <a:xfrm>
-            <a:off x="1046480" y="995680"/>
-            <a:ext cx="4765040" cy="5374640"/>
-          </a:xfrm>
-          <a:prstGeom prst="rect">
-            <a:avLst/>
-          </a:prstGeom>
-          <a:effectLst>
-            <a:outerShdw blurRad="63500" sx="102000" sy="102000" algn="ctr" rotWithShape="0">
-              <a:prstClr val="black">
-                <a:alpha val="40000"/>
-              </a:prstClr>
-            </a:outerShdw>
-          </a:effectLst>
-        </p:spPr>
-        <p:style>
-          <a:lnRef idx="2">
-            <a:schemeClr val="accent1"/>
-          </a:lnRef>
-          <a:fillRef idx="1">
-            <a:schemeClr val="lt1"/>
-          </a:fillRef>
-          <a:effectRef idx="0">
-            <a:schemeClr val="accent1"/>
-          </a:effectRef>
-          <a:fontRef idx="minor">
-            <a:schemeClr val="dk1"/>
-          </a:fontRef>
-        </p:style>
-        <p:txBody>
-          <a:bodyPr rtlCol="0" anchor="ctr"/>
-          <a:lstStyle/>
-          <a:p>
-            <a:pPr algn="ctr"/>
-            <a:endParaRPr lang="en-IN" dirty="0"/>
-          </a:p>
-        </p:txBody>
-      </p:sp>
-      <p:sp>
-        <p:nvSpPr>
-          <p:cNvPr id="4" name="Rectangle 3">
-            <a:extLst>
-              <a:ext uri="{FF2B5EF4-FFF2-40B4-BE49-F238E27FC236}">
-                <a16:creationId xmlns:a16="http://schemas.microsoft.com/office/drawing/2014/main" id="{EBDB392E-0652-6585-A1F8-D95AE1F1343D}"/>
-              </a:ext>
-            </a:extLst>
-          </p:cNvPr>
-          <p:cNvSpPr/>
-          <p:nvPr/>
-        </p:nvSpPr>
-        <p:spPr>
-          <a:xfrm>
-            <a:off x="5811520" y="995680"/>
-            <a:ext cx="4765040" cy="5374640"/>
-          </a:xfrm>
-          <a:prstGeom prst="rect">
-            <a:avLst/>
-          </a:prstGeom>
-          <a:effectLst>
-            <a:outerShdw blurRad="63500" sx="102000" sy="102000" algn="ctr" rotWithShape="0">
-              <a:prstClr val="black">
-                <a:alpha val="40000"/>
-              </a:prstClr>
-            </a:outerShdw>
-          </a:effectLst>
-        </p:spPr>
-        <p:style>
-          <a:lnRef idx="2">
-            <a:schemeClr val="accent1">
-              <a:shade val="50000"/>
-            </a:schemeClr>
-          </a:lnRef>
-          <a:fillRef idx="1">
-            <a:schemeClr val="accent1"/>
-          </a:fillRef>
-          <a:effectRef idx="0">
-            <a:schemeClr val="accent1"/>
-          </a:effectRef>
-          <a:fontRef idx="minor">
-            <a:schemeClr val="lt1"/>
-          </a:fontRef>
-        </p:style>
-        <p:txBody>
-          <a:bodyPr rtlCol="0" anchor="ctr"/>
-          <a:lstStyle/>
-          <a:p>
-            <a:pPr algn="ctr"/>
-            <a:endParaRPr lang="en-IN"/>
-          </a:p>
-        </p:txBody>
-      </p:sp>
-      <p:sp>
-        <p:nvSpPr>
-          <p:cNvPr id="5" name="TextBox 4">
-            <a:extLst>
-              <a:ext uri="{FF2B5EF4-FFF2-40B4-BE49-F238E27FC236}">
-                <a16:creationId xmlns:a16="http://schemas.microsoft.com/office/drawing/2014/main" id="{4EB1B9E1-CBC5-5C50-BDD0-50164E306EEB}"/>
-              </a:ext>
-            </a:extLst>
-          </p:cNvPr>
-          <p:cNvSpPr txBox="1"/>
-          <p:nvPr/>
-        </p:nvSpPr>
-        <p:spPr>
-          <a:xfrm>
-            <a:off x="1615440" y="2070931"/>
-            <a:ext cx="3444240" cy="338554"/>
-          </a:xfrm>
-          <a:prstGeom prst="rect">
-            <a:avLst/>
-          </a:prstGeom>
-          <a:noFill/>
-        </p:spPr>
-        <p:txBody>
-          <a:bodyPr wrap="square" rtlCol="0">
-            <a:spAutoFit/>
-          </a:bodyPr>
-          <a:lstStyle/>
-          <a:p>
-            <a:pPr algn="ctr"/>
-            <a:r>
-              <a:rPr lang="en-IN" sz="1600" dirty="0">
-                <a:latin typeface="Bahnschrift Light Condensed" panose="020B0502040204020203" pitchFamily="34" charset="0"/>
-              </a:rPr>
-              <a:t>Welcome to DefectBoard</a:t>
-            </a:r>
-          </a:p>
-        </p:txBody>
-      </p:sp>
-      <p:sp>
-        <p:nvSpPr>
-          <p:cNvPr id="6" name="Rectangle 5">
-            <a:extLst>
-              <a:ext uri="{FF2B5EF4-FFF2-40B4-BE49-F238E27FC236}">
-                <a16:creationId xmlns:a16="http://schemas.microsoft.com/office/drawing/2014/main" id="{C1823CCE-8712-4C0A-D2BE-C85BE8D25F5B}"/>
-              </a:ext>
-            </a:extLst>
-          </p:cNvPr>
-          <p:cNvSpPr/>
-          <p:nvPr/>
-        </p:nvSpPr>
-        <p:spPr>
-          <a:xfrm>
-            <a:off x="1615440" y="2923458"/>
-            <a:ext cx="3444240" cy="369332"/>
-          </a:xfrm>
-          <a:prstGeom prst="rect">
-            <a:avLst/>
-          </a:prstGeom>
-        </p:spPr>
-        <p:style>
-          <a:lnRef idx="2">
-            <a:schemeClr val="accent2"/>
-          </a:lnRef>
-          <a:fillRef idx="1">
-            <a:schemeClr val="lt1"/>
-          </a:fillRef>
-          <a:effectRef idx="0">
-            <a:schemeClr val="accent2"/>
-          </a:effectRef>
-          <a:fontRef idx="minor">
-            <a:schemeClr val="dk1"/>
-          </a:fontRef>
-        </p:style>
-        <p:txBody>
-          <a:bodyPr rtlCol="0" anchor="ctr"/>
-          <a:lstStyle/>
-          <a:p>
-            <a:pPr algn="ctr"/>
-            <a:endParaRPr lang="en-IN"/>
-          </a:p>
-        </p:txBody>
-      </p:sp>
-      <p:sp>
-        <p:nvSpPr>
-          <p:cNvPr id="7" name="Rectangle 6">
-            <a:extLst>
-              <a:ext uri="{FF2B5EF4-FFF2-40B4-BE49-F238E27FC236}">
-                <a16:creationId xmlns:a16="http://schemas.microsoft.com/office/drawing/2014/main" id="{FCB8676B-FC78-7CFB-8F3C-31363F377C74}"/>
-              </a:ext>
-            </a:extLst>
-          </p:cNvPr>
-          <p:cNvSpPr/>
-          <p:nvPr/>
-        </p:nvSpPr>
-        <p:spPr>
-          <a:xfrm>
-            <a:off x="1615440" y="3679797"/>
-            <a:ext cx="3444240" cy="369332"/>
-          </a:xfrm>
-          <a:prstGeom prst="rect">
-            <a:avLst/>
-          </a:prstGeom>
-        </p:spPr>
-        <p:style>
-          <a:lnRef idx="2">
-            <a:schemeClr val="accent2"/>
-          </a:lnRef>
-          <a:fillRef idx="1">
-            <a:schemeClr val="lt1"/>
-          </a:fillRef>
-          <a:effectRef idx="0">
-            <a:schemeClr val="accent2"/>
-          </a:effectRef>
-          <a:fontRef idx="minor">
-            <a:schemeClr val="dk1"/>
-          </a:fontRef>
-        </p:style>
-        <p:txBody>
-          <a:bodyPr rtlCol="0" anchor="ctr"/>
-          <a:lstStyle/>
-          <a:p>
-            <a:pPr algn="ctr"/>
-            <a:endParaRPr lang="en-IN"/>
-          </a:p>
-        </p:txBody>
-      </p:sp>
-      <p:sp>
-        <p:nvSpPr>
-          <p:cNvPr id="8" name="Rectangle: Rounded Corners 7">
-            <a:extLst>
-              <a:ext uri="{FF2B5EF4-FFF2-40B4-BE49-F238E27FC236}">
-                <a16:creationId xmlns:a16="http://schemas.microsoft.com/office/drawing/2014/main" id="{747CDC0B-8F9F-FE28-697E-152D4541FBC5}"/>
-              </a:ext>
-            </a:extLst>
-          </p:cNvPr>
-          <p:cNvSpPr/>
-          <p:nvPr/>
-        </p:nvSpPr>
-        <p:spPr>
-          <a:xfrm>
-            <a:off x="2814320" y="5227706"/>
-            <a:ext cx="1046480" cy="369332"/>
-          </a:xfrm>
-          <a:prstGeom prst="roundRect">
-            <a:avLst/>
-          </a:prstGeom>
-        </p:spPr>
-        <p:style>
-          <a:lnRef idx="2">
-            <a:schemeClr val="accent1">
-              <a:shade val="50000"/>
-            </a:schemeClr>
-          </a:lnRef>
-          <a:fillRef idx="1">
-            <a:schemeClr val="accent1"/>
-          </a:fillRef>
-          <a:effectRef idx="0">
-            <a:schemeClr val="accent1"/>
-          </a:effectRef>
-          <a:fontRef idx="minor">
-            <a:schemeClr val="lt1"/>
-          </a:fontRef>
-        </p:style>
-        <p:txBody>
-          <a:bodyPr rtlCol="0" anchor="ctr"/>
-          <a:lstStyle/>
-          <a:p>
-            <a:pPr algn="ctr"/>
-            <a:r>
-              <a:rPr lang="en-IN" sz="1200" b="1" dirty="0">
-                <a:latin typeface="Book Antiqua" panose="02040602050305030304" pitchFamily="18" charset="0"/>
-              </a:rPr>
-              <a:t>Create User</a:t>
-            </a:r>
-            <a:endParaRPr lang="en-IN" sz="1400" b="1" dirty="0">
-              <a:latin typeface="Book Antiqua" panose="02040602050305030304" pitchFamily="18" charset="0"/>
-            </a:endParaRPr>
-          </a:p>
-        </p:txBody>
-      </p:sp>
-      <p:sp>
-        <p:nvSpPr>
-          <p:cNvPr id="9" name="TextBox 8">
-            <a:extLst>
-              <a:ext uri="{FF2B5EF4-FFF2-40B4-BE49-F238E27FC236}">
-                <a16:creationId xmlns:a16="http://schemas.microsoft.com/office/drawing/2014/main" id="{8AB91E6D-5ADC-2631-8E84-1E097A3D7E9C}"/>
-              </a:ext>
-            </a:extLst>
-          </p:cNvPr>
-          <p:cNvSpPr txBox="1"/>
-          <p:nvPr/>
-        </p:nvSpPr>
-        <p:spPr>
-          <a:xfrm>
-            <a:off x="1615440" y="2611108"/>
-            <a:ext cx="1483360" cy="276999"/>
-          </a:xfrm>
-          <a:prstGeom prst="rect">
-            <a:avLst/>
-          </a:prstGeom>
-          <a:noFill/>
-        </p:spPr>
-        <p:txBody>
-          <a:bodyPr wrap="square" rtlCol="0">
-            <a:spAutoFit/>
-          </a:bodyPr>
-          <a:lstStyle/>
-          <a:p>
-            <a:r>
-              <a:rPr lang="en-IN" sz="1200" dirty="0"/>
-              <a:t>Username  -</a:t>
-            </a:r>
-          </a:p>
-        </p:txBody>
-      </p:sp>
-      <p:sp>
-        <p:nvSpPr>
-          <p:cNvPr id="10" name="TextBox 9">
-            <a:extLst>
-              <a:ext uri="{FF2B5EF4-FFF2-40B4-BE49-F238E27FC236}">
-                <a16:creationId xmlns:a16="http://schemas.microsoft.com/office/drawing/2014/main" id="{BDE45C6E-55DC-F6A2-F79A-D84474C9E37D}"/>
-              </a:ext>
-            </a:extLst>
-          </p:cNvPr>
-          <p:cNvSpPr txBox="1"/>
-          <p:nvPr/>
-        </p:nvSpPr>
-        <p:spPr>
-          <a:xfrm>
-            <a:off x="1615440" y="3402798"/>
-            <a:ext cx="1483360" cy="276999"/>
-          </a:xfrm>
-          <a:prstGeom prst="rect">
-            <a:avLst/>
-          </a:prstGeom>
-          <a:noFill/>
-        </p:spPr>
-        <p:txBody>
-          <a:bodyPr wrap="square" rtlCol="0">
-            <a:spAutoFit/>
-          </a:bodyPr>
-          <a:lstStyle/>
-          <a:p>
-            <a:r>
-              <a:rPr lang="en-IN" sz="1200" dirty="0"/>
-              <a:t>New Password  -</a:t>
-            </a:r>
-          </a:p>
-        </p:txBody>
-      </p:sp>
-      <p:sp>
-        <p:nvSpPr>
-          <p:cNvPr id="11" name="TextBox 10">
-            <a:extLst>
-              <a:ext uri="{FF2B5EF4-FFF2-40B4-BE49-F238E27FC236}">
-                <a16:creationId xmlns:a16="http://schemas.microsoft.com/office/drawing/2014/main" id="{7CB495AB-B769-B015-4585-2B9A9C0FD472}"/>
-              </a:ext>
-            </a:extLst>
-          </p:cNvPr>
-          <p:cNvSpPr txBox="1"/>
-          <p:nvPr/>
-        </p:nvSpPr>
-        <p:spPr>
-          <a:xfrm>
-            <a:off x="3997960" y="4966096"/>
-            <a:ext cx="1371600" cy="261610"/>
-          </a:xfrm>
-          <a:prstGeom prst="rect">
-            <a:avLst/>
-          </a:prstGeom>
-          <a:noFill/>
-        </p:spPr>
-        <p:txBody>
-          <a:bodyPr wrap="square" rtlCol="0">
-            <a:spAutoFit/>
-          </a:bodyPr>
-          <a:lstStyle/>
-          <a:p>
-            <a:r>
-              <a:rPr lang="en-IN" sz="1050" dirty="0">
-                <a:solidFill>
-                  <a:schemeClr val="accent1"/>
-                </a:solidFill>
-              </a:rPr>
-              <a:t>Forgot password ?</a:t>
-            </a:r>
-          </a:p>
-        </p:txBody>
-      </p:sp>
-      <p:sp>
-        <p:nvSpPr>
-          <p:cNvPr id="12" name="TextBox 11">
-            <a:extLst>
-              <a:ext uri="{FF2B5EF4-FFF2-40B4-BE49-F238E27FC236}">
-                <a16:creationId xmlns:a16="http://schemas.microsoft.com/office/drawing/2014/main" id="{D19503C1-8F31-A3CC-E6B1-D53C5576DF4E}"/>
-              </a:ext>
-            </a:extLst>
-          </p:cNvPr>
-          <p:cNvSpPr txBox="1"/>
-          <p:nvPr/>
-        </p:nvSpPr>
-        <p:spPr>
-          <a:xfrm>
-            <a:off x="1615440" y="4966096"/>
-            <a:ext cx="1371600" cy="261610"/>
-          </a:xfrm>
-          <a:prstGeom prst="rect">
-            <a:avLst/>
-          </a:prstGeom>
-          <a:noFill/>
-        </p:spPr>
-        <p:txBody>
-          <a:bodyPr wrap="square" rtlCol="0">
-            <a:spAutoFit/>
-          </a:bodyPr>
-          <a:lstStyle/>
-          <a:p>
-            <a:r>
-              <a:rPr lang="en-IN" sz="1050" dirty="0">
-                <a:solidFill>
-                  <a:schemeClr val="accent1"/>
-                </a:solidFill>
-              </a:rPr>
-              <a:t>User ?</a:t>
-            </a:r>
-          </a:p>
-        </p:txBody>
-      </p:sp>
-      <p:sp>
-        <p:nvSpPr>
-          <p:cNvPr id="13" name="TextBox 12">
-            <a:extLst>
-              <a:ext uri="{FF2B5EF4-FFF2-40B4-BE49-F238E27FC236}">
-                <a16:creationId xmlns:a16="http://schemas.microsoft.com/office/drawing/2014/main" id="{1AA0F51D-B600-8509-3F33-8ABF8DCC9B4C}"/>
-              </a:ext>
-            </a:extLst>
-          </p:cNvPr>
-          <p:cNvSpPr txBox="1"/>
-          <p:nvPr/>
-        </p:nvSpPr>
-        <p:spPr>
-          <a:xfrm>
-            <a:off x="3760469" y="362452"/>
-            <a:ext cx="4102101" cy="523220"/>
-          </a:xfrm>
-          <a:prstGeom prst="rect">
-            <a:avLst/>
-          </a:prstGeom>
-          <a:noFill/>
-        </p:spPr>
-        <p:txBody>
-          <a:bodyPr wrap="square" rtlCol="0">
-            <a:spAutoFit/>
-          </a:bodyPr>
-          <a:lstStyle/>
-          <a:p>
-            <a:pPr algn="ctr"/>
-            <a:r>
-              <a:rPr lang="en-IN" sz="2800" b="1" dirty="0">
-                <a:latin typeface="Arial Black" panose="020B0A04020102020204" pitchFamily="34" charset="0"/>
-              </a:rPr>
-              <a:t>Register New User</a:t>
-            </a:r>
-          </a:p>
-        </p:txBody>
-      </p:sp>
-      <p:sp>
-        <p:nvSpPr>
-          <p:cNvPr id="2" name="Rectangle 1">
-            <a:extLst>
-              <a:ext uri="{FF2B5EF4-FFF2-40B4-BE49-F238E27FC236}">
-                <a16:creationId xmlns:a16="http://schemas.microsoft.com/office/drawing/2014/main" id="{678EDE71-88C8-5DED-F1BE-22E96B9EC2A5}"/>
-              </a:ext>
-            </a:extLst>
-          </p:cNvPr>
-          <p:cNvSpPr/>
-          <p:nvPr/>
-        </p:nvSpPr>
-        <p:spPr>
-          <a:xfrm>
-            <a:off x="1615440" y="4436136"/>
-            <a:ext cx="3444240" cy="369332"/>
-          </a:xfrm>
-          <a:prstGeom prst="rect">
-            <a:avLst/>
-          </a:prstGeom>
-        </p:spPr>
-        <p:style>
-          <a:lnRef idx="2">
-            <a:schemeClr val="accent2"/>
-          </a:lnRef>
-          <a:fillRef idx="1">
-            <a:schemeClr val="lt1"/>
-          </a:fillRef>
-          <a:effectRef idx="0">
-            <a:schemeClr val="accent2"/>
-          </a:effectRef>
-          <a:fontRef idx="minor">
-            <a:schemeClr val="dk1"/>
-          </a:fontRef>
-        </p:style>
-        <p:txBody>
-          <a:bodyPr rtlCol="0" anchor="ctr"/>
-          <a:lstStyle/>
-          <a:p>
-            <a:pPr algn="ctr"/>
-            <a:endParaRPr lang="en-IN"/>
-          </a:p>
-        </p:txBody>
-      </p:sp>
-      <p:sp>
-        <p:nvSpPr>
-          <p:cNvPr id="15" name="TextBox 14">
-            <a:extLst>
-              <a:ext uri="{FF2B5EF4-FFF2-40B4-BE49-F238E27FC236}">
-                <a16:creationId xmlns:a16="http://schemas.microsoft.com/office/drawing/2014/main" id="{460B9451-2F75-709A-45D9-37AA2C09BF71}"/>
-              </a:ext>
-            </a:extLst>
-          </p:cNvPr>
-          <p:cNvSpPr txBox="1"/>
-          <p:nvPr/>
-        </p:nvSpPr>
-        <p:spPr>
-          <a:xfrm>
-            <a:off x="1615440" y="4123786"/>
-            <a:ext cx="1483360" cy="276999"/>
-          </a:xfrm>
-          <a:prstGeom prst="rect">
-            <a:avLst/>
-          </a:prstGeom>
-          <a:noFill/>
-        </p:spPr>
-        <p:txBody>
-          <a:bodyPr wrap="square" rtlCol="0">
-            <a:spAutoFit/>
-          </a:bodyPr>
-          <a:lstStyle/>
-          <a:p>
-            <a:r>
-              <a:rPr lang="en-IN" sz="1200" dirty="0"/>
-              <a:t>Email  -</a:t>
-            </a:r>
-          </a:p>
-        </p:txBody>
-      </p:sp>
-    </p:spTree>
-    <p:extLst>
-      <p:ext uri="{BB962C8B-B14F-4D97-AF65-F5344CB8AC3E}">
-        <p14:creationId xmlns:p14="http://schemas.microsoft.com/office/powerpoint/2010/main" val="644345266"/>
       </p:ext>
     </p:extLst>
   </p:cSld>

--- a/DefectDashboard.pptx
+++ b/DefectDashboard.pptx
@@ -4343,7 +4343,7 @@
           <a:p>
             <a:fld id="{6FC1C059-0F1D-4A6D-883A-7EBBC8258521}" type="datetimeFigureOut">
               <a:rPr lang="en-IN" smtClean="0"/>
-              <a:t>29-05-2023</a:t>
+              <a:t>01-06-2023</a:t>
             </a:fld>
             <a:endParaRPr lang="en-IN"/>
           </a:p>
@@ -4760,7 +4760,7 @@
           <a:p>
             <a:fld id="{D6746DE3-41F4-4DCF-A8A3-5DF0E39375D9}" type="datetimeFigureOut">
               <a:rPr lang="en-IN" smtClean="0"/>
-              <a:t>29-05-2023</a:t>
+              <a:t>01-06-2023</a:t>
             </a:fld>
             <a:endParaRPr lang="en-IN"/>
           </a:p>
@@ -4960,7 +4960,7 @@
           <a:p>
             <a:fld id="{D6746DE3-41F4-4DCF-A8A3-5DF0E39375D9}" type="datetimeFigureOut">
               <a:rPr lang="en-IN" smtClean="0"/>
-              <a:t>29-05-2023</a:t>
+              <a:t>01-06-2023</a:t>
             </a:fld>
             <a:endParaRPr lang="en-IN"/>
           </a:p>
@@ -5170,7 +5170,7 @@
           <a:p>
             <a:fld id="{D6746DE3-41F4-4DCF-A8A3-5DF0E39375D9}" type="datetimeFigureOut">
               <a:rPr lang="en-IN" smtClean="0"/>
-              <a:t>29-05-2023</a:t>
+              <a:t>01-06-2023</a:t>
             </a:fld>
             <a:endParaRPr lang="en-IN"/>
           </a:p>
@@ -5370,7 +5370,7 @@
           <a:p>
             <a:fld id="{D6746DE3-41F4-4DCF-A8A3-5DF0E39375D9}" type="datetimeFigureOut">
               <a:rPr lang="en-IN" smtClean="0"/>
-              <a:t>29-05-2023</a:t>
+              <a:t>01-06-2023</a:t>
             </a:fld>
             <a:endParaRPr lang="en-IN"/>
           </a:p>
@@ -5646,7 +5646,7 @@
           <a:p>
             <a:fld id="{D6746DE3-41F4-4DCF-A8A3-5DF0E39375D9}" type="datetimeFigureOut">
               <a:rPr lang="en-IN" smtClean="0"/>
-              <a:t>29-05-2023</a:t>
+              <a:t>01-06-2023</a:t>
             </a:fld>
             <a:endParaRPr lang="en-IN"/>
           </a:p>
@@ -5914,7 +5914,7 @@
           <a:p>
             <a:fld id="{D6746DE3-41F4-4DCF-A8A3-5DF0E39375D9}" type="datetimeFigureOut">
               <a:rPr lang="en-IN" smtClean="0"/>
-              <a:t>29-05-2023</a:t>
+              <a:t>01-06-2023</a:t>
             </a:fld>
             <a:endParaRPr lang="en-IN"/>
           </a:p>
@@ -6329,7 +6329,7 @@
           <a:p>
             <a:fld id="{D6746DE3-41F4-4DCF-A8A3-5DF0E39375D9}" type="datetimeFigureOut">
               <a:rPr lang="en-IN" smtClean="0"/>
-              <a:t>29-05-2023</a:t>
+              <a:t>01-06-2023</a:t>
             </a:fld>
             <a:endParaRPr lang="en-IN"/>
           </a:p>
@@ -6471,7 +6471,7 @@
           <a:p>
             <a:fld id="{D6746DE3-41F4-4DCF-A8A3-5DF0E39375D9}" type="datetimeFigureOut">
               <a:rPr lang="en-IN" smtClean="0"/>
-              <a:t>29-05-2023</a:t>
+              <a:t>01-06-2023</a:t>
             </a:fld>
             <a:endParaRPr lang="en-IN"/>
           </a:p>
@@ -6584,7 +6584,7 @@
           <a:p>
             <a:fld id="{D6746DE3-41F4-4DCF-A8A3-5DF0E39375D9}" type="datetimeFigureOut">
               <a:rPr lang="en-IN" smtClean="0"/>
-              <a:t>29-05-2023</a:t>
+              <a:t>01-06-2023</a:t>
             </a:fld>
             <a:endParaRPr lang="en-IN"/>
           </a:p>
@@ -6897,7 +6897,7 @@
           <a:p>
             <a:fld id="{D6746DE3-41F4-4DCF-A8A3-5DF0E39375D9}" type="datetimeFigureOut">
               <a:rPr lang="en-IN" smtClean="0"/>
-              <a:t>29-05-2023</a:t>
+              <a:t>01-06-2023</a:t>
             </a:fld>
             <a:endParaRPr lang="en-IN"/>
           </a:p>
@@ -7186,7 +7186,7 @@
           <a:p>
             <a:fld id="{D6746DE3-41F4-4DCF-A8A3-5DF0E39375D9}" type="datetimeFigureOut">
               <a:rPr lang="en-IN" smtClean="0"/>
-              <a:t>29-05-2023</a:t>
+              <a:t>01-06-2023</a:t>
             </a:fld>
             <a:endParaRPr lang="en-IN"/>
           </a:p>
@@ -7429,7 +7429,7 @@
           <a:p>
             <a:fld id="{D6746DE3-41F4-4DCF-A8A3-5DF0E39375D9}" type="datetimeFigureOut">
               <a:rPr lang="en-IN" smtClean="0"/>
-              <a:t>29-05-2023</a:t>
+              <a:t>01-06-2023</a:t>
             </a:fld>
             <a:endParaRPr lang="en-IN"/>
           </a:p>

--- a/DefectDashboard.pptx
+++ b/DefectDashboard.pptx
@@ -120,6 +120,18 @@
     </p:ext>
   </p:extLst>
 </p:presentation>
+</file>
+
+<file path=ppt/commentAuthors.xml><?xml version="1.0" encoding="utf-8"?>
+<p:cmAuthorLst xmlns:a="http://schemas.openxmlformats.org/drawingml/2006/main" xmlns:r="http://schemas.openxmlformats.org/officeDocument/2006/relationships" xmlns:p="http://schemas.openxmlformats.org/presentationml/2006/main">
+  <p:cmAuthor id="1" name="Sachin Thokal" initials="ST" lastIdx="1" clrIdx="0">
+    <p:extLst>
+      <p:ext uri="{19B8F6BF-5375-455C-9EA6-DF929625EA0E}">
+        <p15:presenceInfo xmlns:p15="http://schemas.microsoft.com/office/powerpoint/2012/main" userId="6f297fd9613a2fb1" providerId="Windows Live"/>
+      </p:ext>
+    </p:extLst>
+  </p:cmAuthor>
+</p:cmAuthorLst>
 </file>
 
 <file path=ppt/charts/chart1.xml><?xml version="1.0" encoding="utf-8"?>
@@ -1179,6 +1191,20 @@
     </cs:fontRef>
   </cs:wall>
 </cs:chartStyle>
+</file>
+
+<file path=ppt/comments/comment1.xml><?xml version="1.0" encoding="utf-8"?>
+<p:cmLst xmlns:a="http://schemas.openxmlformats.org/drawingml/2006/main" xmlns:r="http://schemas.openxmlformats.org/officeDocument/2006/relationships" xmlns:p="http://schemas.openxmlformats.org/presentationml/2006/main">
+  <p:cm authorId="1" dt="2023-06-04T02:56:02.672" idx="1">
+    <p:pos x="1850" y="1184"/>
+    <p:text>Implement Popup and show Created Project List and select and show on Project name</p:text>
+    <p:extLst>
+      <p:ext uri="{C676402C-5697-4E1C-873F-D02D1690AC5C}">
+        <p15:threadingInfo xmlns:p15="http://schemas.microsoft.com/office/powerpoint/2012/main" timeZoneBias="-330"/>
+      </p:ext>
+    </p:extLst>
+  </p:cm>
+</p:cmLst>
 </file>
 
 <file path=ppt/diagrams/colors1.xml><?xml version="1.0" encoding="utf-8"?>
@@ -4343,7 +4369,7 @@
           <a:p>
             <a:fld id="{6FC1C059-0F1D-4A6D-883A-7EBBC8258521}" type="datetimeFigureOut">
               <a:rPr lang="en-IN" smtClean="0"/>
-              <a:t>01-06-2023</a:t>
+              <a:t>04-06-2023</a:t>
             </a:fld>
             <a:endParaRPr lang="en-IN"/>
           </a:p>
@@ -4760,7 +4786,7 @@
           <a:p>
             <a:fld id="{D6746DE3-41F4-4DCF-A8A3-5DF0E39375D9}" type="datetimeFigureOut">
               <a:rPr lang="en-IN" smtClean="0"/>
-              <a:t>01-06-2023</a:t>
+              <a:t>04-06-2023</a:t>
             </a:fld>
             <a:endParaRPr lang="en-IN"/>
           </a:p>
@@ -4960,7 +4986,7 @@
           <a:p>
             <a:fld id="{D6746DE3-41F4-4DCF-A8A3-5DF0E39375D9}" type="datetimeFigureOut">
               <a:rPr lang="en-IN" smtClean="0"/>
-              <a:t>01-06-2023</a:t>
+              <a:t>04-06-2023</a:t>
             </a:fld>
             <a:endParaRPr lang="en-IN"/>
           </a:p>
@@ -5170,7 +5196,7 @@
           <a:p>
             <a:fld id="{D6746DE3-41F4-4DCF-A8A3-5DF0E39375D9}" type="datetimeFigureOut">
               <a:rPr lang="en-IN" smtClean="0"/>
-              <a:t>01-06-2023</a:t>
+              <a:t>04-06-2023</a:t>
             </a:fld>
             <a:endParaRPr lang="en-IN"/>
           </a:p>
@@ -5370,7 +5396,7 @@
           <a:p>
             <a:fld id="{D6746DE3-41F4-4DCF-A8A3-5DF0E39375D9}" type="datetimeFigureOut">
               <a:rPr lang="en-IN" smtClean="0"/>
-              <a:t>01-06-2023</a:t>
+              <a:t>04-06-2023</a:t>
             </a:fld>
             <a:endParaRPr lang="en-IN"/>
           </a:p>
@@ -5646,7 +5672,7 @@
           <a:p>
             <a:fld id="{D6746DE3-41F4-4DCF-A8A3-5DF0E39375D9}" type="datetimeFigureOut">
               <a:rPr lang="en-IN" smtClean="0"/>
-              <a:t>01-06-2023</a:t>
+              <a:t>04-06-2023</a:t>
             </a:fld>
             <a:endParaRPr lang="en-IN"/>
           </a:p>
@@ -5914,7 +5940,7 @@
           <a:p>
             <a:fld id="{D6746DE3-41F4-4DCF-A8A3-5DF0E39375D9}" type="datetimeFigureOut">
               <a:rPr lang="en-IN" smtClean="0"/>
-              <a:t>01-06-2023</a:t>
+              <a:t>04-06-2023</a:t>
             </a:fld>
             <a:endParaRPr lang="en-IN"/>
           </a:p>
@@ -6329,7 +6355,7 @@
           <a:p>
             <a:fld id="{D6746DE3-41F4-4DCF-A8A3-5DF0E39375D9}" type="datetimeFigureOut">
               <a:rPr lang="en-IN" smtClean="0"/>
-              <a:t>01-06-2023</a:t>
+              <a:t>04-06-2023</a:t>
             </a:fld>
             <a:endParaRPr lang="en-IN"/>
           </a:p>
@@ -6471,7 +6497,7 @@
           <a:p>
             <a:fld id="{D6746DE3-41F4-4DCF-A8A3-5DF0E39375D9}" type="datetimeFigureOut">
               <a:rPr lang="en-IN" smtClean="0"/>
-              <a:t>01-06-2023</a:t>
+              <a:t>04-06-2023</a:t>
             </a:fld>
             <a:endParaRPr lang="en-IN"/>
           </a:p>
@@ -6584,7 +6610,7 @@
           <a:p>
             <a:fld id="{D6746DE3-41F4-4DCF-A8A3-5DF0E39375D9}" type="datetimeFigureOut">
               <a:rPr lang="en-IN" smtClean="0"/>
-              <a:t>01-06-2023</a:t>
+              <a:t>04-06-2023</a:t>
             </a:fld>
             <a:endParaRPr lang="en-IN"/>
           </a:p>
@@ -6897,7 +6923,7 @@
           <a:p>
             <a:fld id="{D6746DE3-41F4-4DCF-A8A3-5DF0E39375D9}" type="datetimeFigureOut">
               <a:rPr lang="en-IN" smtClean="0"/>
-              <a:t>01-06-2023</a:t>
+              <a:t>04-06-2023</a:t>
             </a:fld>
             <a:endParaRPr lang="en-IN"/>
           </a:p>
@@ -7186,7 +7212,7 @@
           <a:p>
             <a:fld id="{D6746DE3-41F4-4DCF-A8A3-5DF0E39375D9}" type="datetimeFigureOut">
               <a:rPr lang="en-IN" smtClean="0"/>
-              <a:t>01-06-2023</a:t>
+              <a:t>04-06-2023</a:t>
             </a:fld>
             <a:endParaRPr lang="en-IN"/>
           </a:p>
@@ -7429,7 +7455,7 @@
           <a:p>
             <a:fld id="{D6746DE3-41F4-4DCF-A8A3-5DF0E39375D9}" type="datetimeFigureOut">
               <a:rPr lang="en-IN" smtClean="0"/>
-              <a:t>01-06-2023</a:t>
+              <a:t>04-06-2023</a:t>
             </a:fld>
             <a:endParaRPr lang="en-IN"/>
           </a:p>
@@ -11202,7 +11228,7 @@
         </p:nvSpPr>
         <p:spPr>
           <a:xfrm>
-            <a:off x="1315064" y="1879599"/>
+            <a:off x="1315065" y="1879599"/>
             <a:ext cx="1621995" cy="307777"/>
           </a:xfrm>
           <a:prstGeom prst="rect">
